--- a/wenyanwen.pptx
+++ b/wenyanwen.pptx
@@ -2,18 +2,18 @@
 <file path=ppt/presentation.xml><?xml version="1.0" encoding="utf-8"?>
 <p:presentation xmlns:a="http://schemas.openxmlformats.org/drawingml/2006/main" xmlns:r="http://schemas.openxmlformats.org/officeDocument/2006/relationships" xmlns:p="http://schemas.openxmlformats.org/presentationml/2006/main" saveSubsetFonts="1">
   <p:sldMasterIdLst>
-    <p:sldMasterId id="2147483648" r:id="rId1"/>
+    <p:sldMasterId id="2147483708" r:id="rId1"/>
   </p:sldMasterIdLst>
   <p:sldIdLst>
     <p:sldId id="256" r:id="rId2"/>
   </p:sldIdLst>
-  <p:sldSz cx="12192000" cy="6858000"/>
+  <p:sldSz cx="4114800" cy="1371600"/>
   <p:notesSz cx="6858000" cy="9144000"/>
   <p:defaultTextStyle>
     <a:defPPr>
       <a:defRPr lang="en-US"/>
     </a:defPPr>
-    <a:lvl1pPr marL="0" algn="l" defTabSz="914400" rtl="0" eaLnBrk="1" latinLnBrk="0" hangingPunct="1">
+    <a:lvl1pPr marL="0" algn="l" defTabSz="457200" rtl="0" eaLnBrk="1" latinLnBrk="0" hangingPunct="1">
       <a:defRPr sz="1800" kern="1200">
         <a:solidFill>
           <a:schemeClr val="tx1"/>
@@ -23,7 +23,7 @@
         <a:cs typeface="+mn-cs"/>
       </a:defRPr>
     </a:lvl1pPr>
-    <a:lvl2pPr marL="457200" algn="l" defTabSz="914400" rtl="0" eaLnBrk="1" latinLnBrk="0" hangingPunct="1">
+    <a:lvl2pPr marL="457200" algn="l" defTabSz="457200" rtl="0" eaLnBrk="1" latinLnBrk="0" hangingPunct="1">
       <a:defRPr sz="1800" kern="1200">
         <a:solidFill>
           <a:schemeClr val="tx1"/>
@@ -33,7 +33,7 @@
         <a:cs typeface="+mn-cs"/>
       </a:defRPr>
     </a:lvl2pPr>
-    <a:lvl3pPr marL="914400" algn="l" defTabSz="914400" rtl="0" eaLnBrk="1" latinLnBrk="0" hangingPunct="1">
+    <a:lvl3pPr marL="914400" algn="l" defTabSz="457200" rtl="0" eaLnBrk="1" latinLnBrk="0" hangingPunct="1">
       <a:defRPr sz="1800" kern="1200">
         <a:solidFill>
           <a:schemeClr val="tx1"/>
@@ -43,7 +43,7 @@
         <a:cs typeface="+mn-cs"/>
       </a:defRPr>
     </a:lvl3pPr>
-    <a:lvl4pPr marL="1371600" algn="l" defTabSz="914400" rtl="0" eaLnBrk="1" latinLnBrk="0" hangingPunct="1">
+    <a:lvl4pPr marL="1371600" algn="l" defTabSz="457200" rtl="0" eaLnBrk="1" latinLnBrk="0" hangingPunct="1">
       <a:defRPr sz="1800" kern="1200">
         <a:solidFill>
           <a:schemeClr val="tx1"/>
@@ -53,7 +53,7 @@
         <a:cs typeface="+mn-cs"/>
       </a:defRPr>
     </a:lvl4pPr>
-    <a:lvl5pPr marL="1828800" algn="l" defTabSz="914400" rtl="0" eaLnBrk="1" latinLnBrk="0" hangingPunct="1">
+    <a:lvl5pPr marL="1828800" algn="l" defTabSz="457200" rtl="0" eaLnBrk="1" latinLnBrk="0" hangingPunct="1">
       <a:defRPr sz="1800" kern="1200">
         <a:solidFill>
           <a:schemeClr val="tx1"/>
@@ -63,7 +63,7 @@
         <a:cs typeface="+mn-cs"/>
       </a:defRPr>
     </a:lvl5pPr>
-    <a:lvl6pPr marL="2286000" algn="l" defTabSz="914400" rtl="0" eaLnBrk="1" latinLnBrk="0" hangingPunct="1">
+    <a:lvl6pPr marL="2286000" algn="l" defTabSz="457200" rtl="0" eaLnBrk="1" latinLnBrk="0" hangingPunct="1">
       <a:defRPr sz="1800" kern="1200">
         <a:solidFill>
           <a:schemeClr val="tx1"/>
@@ -73,7 +73,7 @@
         <a:cs typeface="+mn-cs"/>
       </a:defRPr>
     </a:lvl6pPr>
-    <a:lvl7pPr marL="2743200" algn="l" defTabSz="914400" rtl="0" eaLnBrk="1" latinLnBrk="0" hangingPunct="1">
+    <a:lvl7pPr marL="2743200" algn="l" defTabSz="457200" rtl="0" eaLnBrk="1" latinLnBrk="0" hangingPunct="1">
       <a:defRPr sz="1800" kern="1200">
         <a:solidFill>
           <a:schemeClr val="tx1"/>
@@ -83,7 +83,7 @@
         <a:cs typeface="+mn-cs"/>
       </a:defRPr>
     </a:lvl7pPr>
-    <a:lvl8pPr marL="3200400" algn="l" defTabSz="914400" rtl="0" eaLnBrk="1" latinLnBrk="0" hangingPunct="1">
+    <a:lvl8pPr marL="3200400" algn="l" defTabSz="457200" rtl="0" eaLnBrk="1" latinLnBrk="0" hangingPunct="1">
       <a:defRPr sz="1800" kern="1200">
         <a:solidFill>
           <a:schemeClr val="tx1"/>
@@ -93,7 +93,7 @@
         <a:cs typeface="+mn-cs"/>
       </a:defRPr>
     </a:lvl8pPr>
-    <a:lvl9pPr marL="3657600" algn="l" defTabSz="914400" rtl="0" eaLnBrk="1" latinLnBrk="0" hangingPunct="1">
+    <a:lvl9pPr marL="3657600" algn="l" defTabSz="457200" rtl="0" eaLnBrk="1" latinLnBrk="0" hangingPunct="1">
       <a:defRPr sz="1800" kern="1200">
         <a:solidFill>
           <a:schemeClr val="tx1"/>
@@ -104,6 +104,11 @@
       </a:defRPr>
     </a:lvl9pPr>
   </p:defaultTextStyle>
+  <p:extLst>
+    <p:ext uri="{EFAFB233-063F-42B5-8137-9DF3F51BA10A}">
+      <p15:sldGuideLst xmlns:p15="http://schemas.microsoft.com/office/powerpoint/2012/main"/>
+    </p:ext>
+  </p:extLst>
 </p:presentation>
 </file>
 
@@ -126,13 +131,7 @@
       </p:grpSpPr>
       <p:sp>
         <p:nvSpPr>
-          <p:cNvPr id="2" name="Title 1">
-            <a:extLst>
-              <a:ext uri="{FF2B5EF4-FFF2-40B4-BE49-F238E27FC236}">
-                <a16:creationId xmlns:a16="http://schemas.microsoft.com/office/drawing/2014/main" id="{BEBD23D4-FF03-E186-5B83-4231307EF747}"/>
-              </a:ext>
-            </a:extLst>
-          </p:cNvPr>
+          <p:cNvPr id="2" name="Title 1"/>
           <p:cNvSpPr>
             <a:spLocks noGrp="1"/>
           </p:cNvSpPr>
@@ -142,15 +141,15 @@
         </p:nvSpPr>
         <p:spPr>
           <a:xfrm>
-            <a:off x="1524000" y="1122363"/>
-            <a:ext cx="9144000" cy="2387600"/>
+            <a:off x="514350" y="224473"/>
+            <a:ext cx="3086100" cy="477520"/>
           </a:xfrm>
         </p:spPr>
         <p:txBody>
           <a:bodyPr anchor="b"/>
           <a:lstStyle>
             <a:lvl1pPr algn="ctr">
-              <a:defRPr sz="6000"/>
+              <a:defRPr sz="1200"/>
             </a:lvl1pPr>
           </a:lstStyle>
           <a:p>
@@ -158,18 +157,13 @@
               <a:rPr lang="en-US"/>
               <a:t>Click to edit Master title style</a:t>
             </a:r>
-          </a:p>
-        </p:txBody>
-      </p:sp>
-      <p:sp>
-        <p:nvSpPr>
-          <p:cNvPr id="3" name="Subtitle 2">
-            <a:extLst>
-              <a:ext uri="{FF2B5EF4-FFF2-40B4-BE49-F238E27FC236}">
-                <a16:creationId xmlns:a16="http://schemas.microsoft.com/office/drawing/2014/main" id="{0B83B9AD-863F-4A5F-EEF2-6B0F6AE2ECD8}"/>
-              </a:ext>
-            </a:extLst>
-          </p:cNvPr>
+            <a:endParaRPr lang="en-US" dirty="0"/>
+          </a:p>
+        </p:txBody>
+      </p:sp>
+      <p:sp>
+        <p:nvSpPr>
+          <p:cNvPr id="3" name="Subtitle 2"/>
           <p:cNvSpPr>
             <a:spLocks noGrp="1"/>
           </p:cNvSpPr>
@@ -179,8 +173,8 @@
         </p:nvSpPr>
         <p:spPr>
           <a:xfrm>
-            <a:off x="1524000" y="3602038"/>
-            <a:ext cx="9144000" cy="1655762"/>
+            <a:off x="514350" y="720408"/>
+            <a:ext cx="3086100" cy="331152"/>
           </a:xfrm>
         </p:spPr>
         <p:txBody>
@@ -188,39 +182,39 @@
           <a:lstStyle>
             <a:lvl1pPr marL="0" indent="0" algn="ctr">
               <a:buNone/>
-              <a:defRPr sz="2400"/>
+              <a:defRPr sz="480"/>
             </a:lvl1pPr>
-            <a:lvl2pPr marL="457200" indent="0" algn="ctr">
-              <a:buNone/>
-              <a:defRPr sz="2000"/>
+            <a:lvl2pPr marL="91440" indent="0" algn="ctr">
+              <a:buNone/>
+              <a:defRPr sz="400"/>
             </a:lvl2pPr>
-            <a:lvl3pPr marL="914400" indent="0" algn="ctr">
-              <a:buNone/>
-              <a:defRPr sz="1800"/>
+            <a:lvl3pPr marL="182880" indent="0" algn="ctr">
+              <a:buNone/>
+              <a:defRPr sz="360"/>
             </a:lvl3pPr>
-            <a:lvl4pPr marL="1371600" indent="0" algn="ctr">
-              <a:buNone/>
-              <a:defRPr sz="1600"/>
+            <a:lvl4pPr marL="274320" indent="0" algn="ctr">
+              <a:buNone/>
+              <a:defRPr sz="320"/>
             </a:lvl4pPr>
-            <a:lvl5pPr marL="1828800" indent="0" algn="ctr">
-              <a:buNone/>
-              <a:defRPr sz="1600"/>
+            <a:lvl5pPr marL="365760" indent="0" algn="ctr">
+              <a:buNone/>
+              <a:defRPr sz="320"/>
             </a:lvl5pPr>
-            <a:lvl6pPr marL="2286000" indent="0" algn="ctr">
-              <a:buNone/>
-              <a:defRPr sz="1600"/>
+            <a:lvl6pPr marL="457200" indent="0" algn="ctr">
+              <a:buNone/>
+              <a:defRPr sz="320"/>
             </a:lvl6pPr>
-            <a:lvl7pPr marL="2743200" indent="0" algn="ctr">
-              <a:buNone/>
-              <a:defRPr sz="1600"/>
+            <a:lvl7pPr marL="548640" indent="0" algn="ctr">
+              <a:buNone/>
+              <a:defRPr sz="320"/>
             </a:lvl7pPr>
-            <a:lvl8pPr marL="3200400" indent="0" algn="ctr">
-              <a:buNone/>
-              <a:defRPr sz="1600"/>
+            <a:lvl8pPr marL="640080" indent="0" algn="ctr">
+              <a:buNone/>
+              <a:defRPr sz="320"/>
             </a:lvl8pPr>
-            <a:lvl9pPr marL="3657600" indent="0" algn="ctr">
-              <a:buNone/>
-              <a:defRPr sz="1600"/>
+            <a:lvl9pPr marL="731520" indent="0" algn="ctr">
+              <a:buNone/>
+              <a:defRPr sz="320"/>
             </a:lvl9pPr>
           </a:lstStyle>
           <a:p>
@@ -228,18 +222,13 @@
               <a:rPr lang="en-US"/>
               <a:t>Click to edit Master subtitle style</a:t>
             </a:r>
-          </a:p>
-        </p:txBody>
-      </p:sp>
-      <p:sp>
-        <p:nvSpPr>
-          <p:cNvPr id="4" name="Date Placeholder 3">
-            <a:extLst>
-              <a:ext uri="{FF2B5EF4-FFF2-40B4-BE49-F238E27FC236}">
-                <a16:creationId xmlns:a16="http://schemas.microsoft.com/office/drawing/2014/main" id="{1E8657F6-1763-80FC-D3D2-CB701DED5DFF}"/>
-              </a:ext>
-            </a:extLst>
-          </p:cNvPr>
+            <a:endParaRPr lang="en-US" dirty="0"/>
+          </a:p>
+        </p:txBody>
+      </p:sp>
+      <p:sp>
+        <p:nvSpPr>
+          <p:cNvPr id="4" name="Date Placeholder 3"/>
           <p:cNvSpPr>
             <a:spLocks noGrp="1"/>
           </p:cNvSpPr>
@@ -262,13 +251,7 @@
       </p:sp>
       <p:sp>
         <p:nvSpPr>
-          <p:cNvPr id="5" name="Footer Placeholder 4">
-            <a:extLst>
-              <a:ext uri="{FF2B5EF4-FFF2-40B4-BE49-F238E27FC236}">
-                <a16:creationId xmlns:a16="http://schemas.microsoft.com/office/drawing/2014/main" id="{4B476970-4CF4-7A29-0593-41F86B5BAA26}"/>
-              </a:ext>
-            </a:extLst>
-          </p:cNvPr>
+          <p:cNvPr id="5" name="Footer Placeholder 4"/>
           <p:cNvSpPr>
             <a:spLocks noGrp="1"/>
           </p:cNvSpPr>
@@ -287,13 +270,7 @@
       </p:sp>
       <p:sp>
         <p:nvSpPr>
-          <p:cNvPr id="6" name="Slide Number Placeholder 5">
-            <a:extLst>
-              <a:ext uri="{FF2B5EF4-FFF2-40B4-BE49-F238E27FC236}">
-                <a16:creationId xmlns:a16="http://schemas.microsoft.com/office/drawing/2014/main" id="{E9D7ED9D-FD28-ACA0-2D23-ECF75DA8E7B3}"/>
-              </a:ext>
-            </a:extLst>
-          </p:cNvPr>
+          <p:cNvPr id="6" name="Slide Number Placeholder 5"/>
           <p:cNvSpPr>
             <a:spLocks noGrp="1"/>
           </p:cNvSpPr>
@@ -317,7 +294,7 @@
     </p:spTree>
     <p:extLst>
       <p:ext uri="{BB962C8B-B14F-4D97-AF65-F5344CB8AC3E}">
-        <p14:creationId xmlns:p14="http://schemas.microsoft.com/office/powerpoint/2010/main" val="1928790500"/>
+        <p14:creationId xmlns:p14="http://schemas.microsoft.com/office/powerpoint/2010/main" val="3058950533"/>
       </p:ext>
     </p:extLst>
   </p:cSld>
@@ -346,13 +323,7 @@
       </p:grpSpPr>
       <p:sp>
         <p:nvSpPr>
-          <p:cNvPr id="2" name="Title 1">
-            <a:extLst>
-              <a:ext uri="{FF2B5EF4-FFF2-40B4-BE49-F238E27FC236}">
-                <a16:creationId xmlns:a16="http://schemas.microsoft.com/office/drawing/2014/main" id="{3045BAE9-6EB2-0844-3085-79241229F819}"/>
-              </a:ext>
-            </a:extLst>
-          </p:cNvPr>
+          <p:cNvPr id="2" name="Title 1"/>
           <p:cNvSpPr>
             <a:spLocks noGrp="1"/>
           </p:cNvSpPr>
@@ -369,18 +340,13 @@
               <a:rPr lang="en-US"/>
               <a:t>Click to edit Master title style</a:t>
             </a:r>
-          </a:p>
-        </p:txBody>
-      </p:sp>
-      <p:sp>
-        <p:nvSpPr>
-          <p:cNvPr id="3" name="Vertical Text Placeholder 2">
-            <a:extLst>
-              <a:ext uri="{FF2B5EF4-FFF2-40B4-BE49-F238E27FC236}">
-                <a16:creationId xmlns:a16="http://schemas.microsoft.com/office/drawing/2014/main" id="{405AA1D0-EF24-3B76-C2B4-D6CC5D87D094}"/>
-              </a:ext>
-            </a:extLst>
-          </p:cNvPr>
+            <a:endParaRPr lang="en-US" dirty="0"/>
+          </a:p>
+        </p:txBody>
+      </p:sp>
+      <p:sp>
+        <p:nvSpPr>
+          <p:cNvPr id="3" name="Vertical Text Placeholder 2"/>
           <p:cNvSpPr>
             <a:spLocks noGrp="1"/>
           </p:cNvSpPr>
@@ -426,18 +392,13 @@
               <a:rPr lang="en-US"/>
               <a:t>Fifth level</a:t>
             </a:r>
-          </a:p>
-        </p:txBody>
-      </p:sp>
-      <p:sp>
-        <p:nvSpPr>
-          <p:cNvPr id="4" name="Date Placeholder 3">
-            <a:extLst>
-              <a:ext uri="{FF2B5EF4-FFF2-40B4-BE49-F238E27FC236}">
-                <a16:creationId xmlns:a16="http://schemas.microsoft.com/office/drawing/2014/main" id="{29ADB644-0729-7005-1E99-33AFD1D48711}"/>
-              </a:ext>
-            </a:extLst>
-          </p:cNvPr>
+            <a:endParaRPr lang="en-US" dirty="0"/>
+          </a:p>
+        </p:txBody>
+      </p:sp>
+      <p:sp>
+        <p:nvSpPr>
+          <p:cNvPr id="4" name="Date Placeholder 3"/>
           <p:cNvSpPr>
             <a:spLocks noGrp="1"/>
           </p:cNvSpPr>
@@ -460,13 +421,7 @@
       </p:sp>
       <p:sp>
         <p:nvSpPr>
-          <p:cNvPr id="5" name="Footer Placeholder 4">
-            <a:extLst>
-              <a:ext uri="{FF2B5EF4-FFF2-40B4-BE49-F238E27FC236}">
-                <a16:creationId xmlns:a16="http://schemas.microsoft.com/office/drawing/2014/main" id="{2877097F-2465-6E41-F9D2-838D9609E250}"/>
-              </a:ext>
-            </a:extLst>
-          </p:cNvPr>
+          <p:cNvPr id="5" name="Footer Placeholder 4"/>
           <p:cNvSpPr>
             <a:spLocks noGrp="1"/>
           </p:cNvSpPr>
@@ -485,13 +440,7 @@
       </p:sp>
       <p:sp>
         <p:nvSpPr>
-          <p:cNvPr id="6" name="Slide Number Placeholder 5">
-            <a:extLst>
-              <a:ext uri="{FF2B5EF4-FFF2-40B4-BE49-F238E27FC236}">
-                <a16:creationId xmlns:a16="http://schemas.microsoft.com/office/drawing/2014/main" id="{41A123EC-6709-2334-D83C-350840DFB5BD}"/>
-              </a:ext>
-            </a:extLst>
-          </p:cNvPr>
+          <p:cNvPr id="6" name="Slide Number Placeholder 5"/>
           <p:cNvSpPr>
             <a:spLocks noGrp="1"/>
           </p:cNvSpPr>
@@ -515,7 +464,7 @@
     </p:spTree>
     <p:extLst>
       <p:ext uri="{BB962C8B-B14F-4D97-AF65-F5344CB8AC3E}">
-        <p14:creationId xmlns:p14="http://schemas.microsoft.com/office/powerpoint/2010/main" val="4084809523"/>
+        <p14:creationId xmlns:p14="http://schemas.microsoft.com/office/powerpoint/2010/main" val="1605393164"/>
       </p:ext>
     </p:extLst>
   </p:cSld>
@@ -544,13 +493,7 @@
       </p:grpSpPr>
       <p:sp>
         <p:nvSpPr>
-          <p:cNvPr id="2" name="Vertical Title 1">
-            <a:extLst>
-              <a:ext uri="{FF2B5EF4-FFF2-40B4-BE49-F238E27FC236}">
-                <a16:creationId xmlns:a16="http://schemas.microsoft.com/office/drawing/2014/main" id="{F3E6B09F-5021-F743-7B10-01C48F56DE8E}"/>
-              </a:ext>
-            </a:extLst>
-          </p:cNvPr>
+          <p:cNvPr id="2" name="Vertical Title 1"/>
           <p:cNvSpPr>
             <a:spLocks noGrp="1"/>
           </p:cNvSpPr>
@@ -560,8 +503,8 @@
         </p:nvSpPr>
         <p:spPr>
           <a:xfrm>
-            <a:off x="8724900" y="365125"/>
-            <a:ext cx="2628900" cy="5811838"/>
+            <a:off x="2944654" y="73025"/>
+            <a:ext cx="887254" cy="1162368"/>
           </a:xfrm>
         </p:spPr>
         <p:txBody>
@@ -572,18 +515,13 @@
               <a:rPr lang="en-US"/>
               <a:t>Click to edit Master title style</a:t>
             </a:r>
-          </a:p>
-        </p:txBody>
-      </p:sp>
-      <p:sp>
-        <p:nvSpPr>
-          <p:cNvPr id="3" name="Vertical Text Placeholder 2">
-            <a:extLst>
-              <a:ext uri="{FF2B5EF4-FFF2-40B4-BE49-F238E27FC236}">
-                <a16:creationId xmlns:a16="http://schemas.microsoft.com/office/drawing/2014/main" id="{A4244DDD-0CCD-5C9A-ED73-B6CD554BEC85}"/>
-              </a:ext>
-            </a:extLst>
-          </p:cNvPr>
+            <a:endParaRPr lang="en-US" dirty="0"/>
+          </a:p>
+        </p:txBody>
+      </p:sp>
+      <p:sp>
+        <p:nvSpPr>
+          <p:cNvPr id="3" name="Vertical Text Placeholder 2"/>
           <p:cNvSpPr>
             <a:spLocks noGrp="1"/>
           </p:cNvSpPr>
@@ -593,8 +531,8 @@
         </p:nvSpPr>
         <p:spPr>
           <a:xfrm>
-            <a:off x="838200" y="365125"/>
-            <a:ext cx="7734300" cy="5811838"/>
+            <a:off x="282893" y="73025"/>
+            <a:ext cx="2610326" cy="1162368"/>
           </a:xfrm>
         </p:spPr>
         <p:txBody>
@@ -634,18 +572,13 @@
               <a:rPr lang="en-US"/>
               <a:t>Fifth level</a:t>
             </a:r>
-          </a:p>
-        </p:txBody>
-      </p:sp>
-      <p:sp>
-        <p:nvSpPr>
-          <p:cNvPr id="4" name="Date Placeholder 3">
-            <a:extLst>
-              <a:ext uri="{FF2B5EF4-FFF2-40B4-BE49-F238E27FC236}">
-                <a16:creationId xmlns:a16="http://schemas.microsoft.com/office/drawing/2014/main" id="{9AC0C990-4CA6-5A88-F1F1-60220B84BDF6}"/>
-              </a:ext>
-            </a:extLst>
-          </p:cNvPr>
+            <a:endParaRPr lang="en-US" dirty="0"/>
+          </a:p>
+        </p:txBody>
+      </p:sp>
+      <p:sp>
+        <p:nvSpPr>
+          <p:cNvPr id="4" name="Date Placeholder 3"/>
           <p:cNvSpPr>
             <a:spLocks noGrp="1"/>
           </p:cNvSpPr>
@@ -668,13 +601,7 @@
       </p:sp>
       <p:sp>
         <p:nvSpPr>
-          <p:cNvPr id="5" name="Footer Placeholder 4">
-            <a:extLst>
-              <a:ext uri="{FF2B5EF4-FFF2-40B4-BE49-F238E27FC236}">
-                <a16:creationId xmlns:a16="http://schemas.microsoft.com/office/drawing/2014/main" id="{3BAAFCB5-6439-DC77-C031-90C1F44FD813}"/>
-              </a:ext>
-            </a:extLst>
-          </p:cNvPr>
+          <p:cNvPr id="5" name="Footer Placeholder 4"/>
           <p:cNvSpPr>
             <a:spLocks noGrp="1"/>
           </p:cNvSpPr>
@@ -693,13 +620,7 @@
       </p:sp>
       <p:sp>
         <p:nvSpPr>
-          <p:cNvPr id="6" name="Slide Number Placeholder 5">
-            <a:extLst>
-              <a:ext uri="{FF2B5EF4-FFF2-40B4-BE49-F238E27FC236}">
-                <a16:creationId xmlns:a16="http://schemas.microsoft.com/office/drawing/2014/main" id="{F0AA5184-0CE6-ABD3-032B-7F1E2BA97C08}"/>
-              </a:ext>
-            </a:extLst>
-          </p:cNvPr>
+          <p:cNvPr id="6" name="Slide Number Placeholder 5"/>
           <p:cNvSpPr>
             <a:spLocks noGrp="1"/>
           </p:cNvSpPr>
@@ -723,7 +644,7 @@
     </p:spTree>
     <p:extLst>
       <p:ext uri="{BB962C8B-B14F-4D97-AF65-F5344CB8AC3E}">
-        <p14:creationId xmlns:p14="http://schemas.microsoft.com/office/powerpoint/2010/main" val="1745034288"/>
+        <p14:creationId xmlns:p14="http://schemas.microsoft.com/office/powerpoint/2010/main" val="3885576696"/>
       </p:ext>
     </p:extLst>
   </p:cSld>
@@ -752,13 +673,7 @@
       </p:grpSpPr>
       <p:sp>
         <p:nvSpPr>
-          <p:cNvPr id="2" name="Title 1">
-            <a:extLst>
-              <a:ext uri="{FF2B5EF4-FFF2-40B4-BE49-F238E27FC236}">
-                <a16:creationId xmlns:a16="http://schemas.microsoft.com/office/drawing/2014/main" id="{20AE7FF4-520A-45E7-8110-A478E4EA1057}"/>
-              </a:ext>
-            </a:extLst>
-          </p:cNvPr>
+          <p:cNvPr id="2" name="Title 1"/>
           <p:cNvSpPr>
             <a:spLocks noGrp="1"/>
           </p:cNvSpPr>
@@ -775,18 +690,13 @@
               <a:rPr lang="en-US"/>
               <a:t>Click to edit Master title style</a:t>
             </a:r>
-          </a:p>
-        </p:txBody>
-      </p:sp>
-      <p:sp>
-        <p:nvSpPr>
-          <p:cNvPr id="3" name="Content Placeholder 2">
-            <a:extLst>
-              <a:ext uri="{FF2B5EF4-FFF2-40B4-BE49-F238E27FC236}">
-                <a16:creationId xmlns:a16="http://schemas.microsoft.com/office/drawing/2014/main" id="{C4727E75-D8A6-113F-44CF-7A56224BAF6B}"/>
-              </a:ext>
-            </a:extLst>
-          </p:cNvPr>
+            <a:endParaRPr lang="en-US" dirty="0"/>
+          </a:p>
+        </p:txBody>
+      </p:sp>
+      <p:sp>
+        <p:nvSpPr>
+          <p:cNvPr id="3" name="Content Placeholder 2"/>
           <p:cNvSpPr>
             <a:spLocks noGrp="1"/>
           </p:cNvSpPr>
@@ -832,18 +742,13 @@
               <a:rPr lang="en-US"/>
               <a:t>Fifth level</a:t>
             </a:r>
-          </a:p>
-        </p:txBody>
-      </p:sp>
-      <p:sp>
-        <p:nvSpPr>
-          <p:cNvPr id="4" name="Date Placeholder 3">
-            <a:extLst>
-              <a:ext uri="{FF2B5EF4-FFF2-40B4-BE49-F238E27FC236}">
-                <a16:creationId xmlns:a16="http://schemas.microsoft.com/office/drawing/2014/main" id="{B256FC3F-C548-BC39-4DD9-4D4067BB2BCE}"/>
-              </a:ext>
-            </a:extLst>
-          </p:cNvPr>
+            <a:endParaRPr lang="en-US" dirty="0"/>
+          </a:p>
+        </p:txBody>
+      </p:sp>
+      <p:sp>
+        <p:nvSpPr>
+          <p:cNvPr id="4" name="Date Placeholder 3"/>
           <p:cNvSpPr>
             <a:spLocks noGrp="1"/>
           </p:cNvSpPr>
@@ -866,13 +771,7 @@
       </p:sp>
       <p:sp>
         <p:nvSpPr>
-          <p:cNvPr id="5" name="Footer Placeholder 4">
-            <a:extLst>
-              <a:ext uri="{FF2B5EF4-FFF2-40B4-BE49-F238E27FC236}">
-                <a16:creationId xmlns:a16="http://schemas.microsoft.com/office/drawing/2014/main" id="{CDF2EAE5-67CB-554D-51DC-6FE3EF6CB0AF}"/>
-              </a:ext>
-            </a:extLst>
-          </p:cNvPr>
+          <p:cNvPr id="5" name="Footer Placeholder 4"/>
           <p:cNvSpPr>
             <a:spLocks noGrp="1"/>
           </p:cNvSpPr>
@@ -891,13 +790,7 @@
       </p:sp>
       <p:sp>
         <p:nvSpPr>
-          <p:cNvPr id="6" name="Slide Number Placeholder 5">
-            <a:extLst>
-              <a:ext uri="{FF2B5EF4-FFF2-40B4-BE49-F238E27FC236}">
-                <a16:creationId xmlns:a16="http://schemas.microsoft.com/office/drawing/2014/main" id="{0B4F9327-DB99-F57D-3DF3-7826BBA7509E}"/>
-              </a:ext>
-            </a:extLst>
-          </p:cNvPr>
+          <p:cNvPr id="6" name="Slide Number Placeholder 5"/>
           <p:cNvSpPr>
             <a:spLocks noGrp="1"/>
           </p:cNvSpPr>
@@ -921,7 +814,7 @@
     </p:spTree>
     <p:extLst>
       <p:ext uri="{BB962C8B-B14F-4D97-AF65-F5344CB8AC3E}">
-        <p14:creationId xmlns:p14="http://schemas.microsoft.com/office/powerpoint/2010/main" val="3214294078"/>
+        <p14:creationId xmlns:p14="http://schemas.microsoft.com/office/powerpoint/2010/main" val="1743397306"/>
       </p:ext>
     </p:extLst>
   </p:cSld>
@@ -950,13 +843,7 @@
       </p:grpSpPr>
       <p:sp>
         <p:nvSpPr>
-          <p:cNvPr id="2" name="Title 1">
-            <a:extLst>
-              <a:ext uri="{FF2B5EF4-FFF2-40B4-BE49-F238E27FC236}">
-                <a16:creationId xmlns:a16="http://schemas.microsoft.com/office/drawing/2014/main" id="{D0AB9F63-39E8-B2B1-05B0-088D18F61ECD}"/>
-              </a:ext>
-            </a:extLst>
-          </p:cNvPr>
+          <p:cNvPr id="2" name="Title 1"/>
           <p:cNvSpPr>
             <a:spLocks noGrp="1"/>
           </p:cNvSpPr>
@@ -966,15 +853,15 @@
         </p:nvSpPr>
         <p:spPr>
           <a:xfrm>
-            <a:off x="831850" y="1709738"/>
-            <a:ext cx="10515600" cy="2852737"/>
+            <a:off x="280749" y="341948"/>
+            <a:ext cx="3549015" cy="570547"/>
           </a:xfrm>
         </p:spPr>
         <p:txBody>
           <a:bodyPr anchor="b"/>
           <a:lstStyle>
             <a:lvl1pPr>
-              <a:defRPr sz="6000"/>
+              <a:defRPr sz="1200"/>
             </a:lvl1pPr>
           </a:lstStyle>
           <a:p>
@@ -982,18 +869,13 @@
               <a:rPr lang="en-US"/>
               <a:t>Click to edit Master title style</a:t>
             </a:r>
-          </a:p>
-        </p:txBody>
-      </p:sp>
-      <p:sp>
-        <p:nvSpPr>
-          <p:cNvPr id="3" name="Text Placeholder 2">
-            <a:extLst>
-              <a:ext uri="{FF2B5EF4-FFF2-40B4-BE49-F238E27FC236}">
-                <a16:creationId xmlns:a16="http://schemas.microsoft.com/office/drawing/2014/main" id="{8294AE72-89DC-6AA7-4E09-E69C6EAB04F7}"/>
-              </a:ext>
-            </a:extLst>
-          </p:cNvPr>
+            <a:endParaRPr lang="en-US" dirty="0"/>
+          </a:p>
+        </p:txBody>
+      </p:sp>
+      <p:sp>
+        <p:nvSpPr>
+          <p:cNvPr id="3" name="Text Placeholder 2"/>
           <p:cNvSpPr>
             <a:spLocks noGrp="1"/>
           </p:cNvSpPr>
@@ -1003,8 +885,8 @@
         </p:nvSpPr>
         <p:spPr>
           <a:xfrm>
-            <a:off x="831850" y="4589463"/>
-            <a:ext cx="10515600" cy="1500187"/>
+            <a:off x="280749" y="917893"/>
+            <a:ext cx="3549015" cy="300037"/>
           </a:xfrm>
         </p:spPr>
         <p:txBody>
@@ -1012,7 +894,7 @@
           <a:lstStyle>
             <a:lvl1pPr marL="0" indent="0">
               <a:buNone/>
-              <a:defRPr sz="2400">
+              <a:defRPr sz="480">
                 <a:solidFill>
                   <a:schemeClr val="tx1">
                     <a:tint val="75000"/>
@@ -1020,9 +902,9 @@
                 </a:solidFill>
               </a:defRPr>
             </a:lvl1pPr>
-            <a:lvl2pPr marL="457200" indent="0">
-              <a:buNone/>
-              <a:defRPr sz="2000">
+            <a:lvl2pPr marL="91440" indent="0">
+              <a:buNone/>
+              <a:defRPr sz="400">
                 <a:solidFill>
                   <a:schemeClr val="tx1">
                     <a:tint val="75000"/>
@@ -1030,9 +912,9 @@
                 </a:solidFill>
               </a:defRPr>
             </a:lvl2pPr>
-            <a:lvl3pPr marL="914400" indent="0">
-              <a:buNone/>
-              <a:defRPr sz="1800">
+            <a:lvl3pPr marL="182880" indent="0">
+              <a:buNone/>
+              <a:defRPr sz="360">
                 <a:solidFill>
                   <a:schemeClr val="tx1">
                     <a:tint val="75000"/>
@@ -1040,9 +922,9 @@
                 </a:solidFill>
               </a:defRPr>
             </a:lvl3pPr>
-            <a:lvl4pPr marL="1371600" indent="0">
-              <a:buNone/>
-              <a:defRPr sz="1600">
+            <a:lvl4pPr marL="274320" indent="0">
+              <a:buNone/>
+              <a:defRPr sz="320">
                 <a:solidFill>
                   <a:schemeClr val="tx1">
                     <a:tint val="75000"/>
@@ -1050,9 +932,9 @@
                 </a:solidFill>
               </a:defRPr>
             </a:lvl4pPr>
-            <a:lvl5pPr marL="1828800" indent="0">
-              <a:buNone/>
-              <a:defRPr sz="1600">
+            <a:lvl5pPr marL="365760" indent="0">
+              <a:buNone/>
+              <a:defRPr sz="320">
                 <a:solidFill>
                   <a:schemeClr val="tx1">
                     <a:tint val="75000"/>
@@ -1060,9 +942,9 @@
                 </a:solidFill>
               </a:defRPr>
             </a:lvl5pPr>
-            <a:lvl6pPr marL="2286000" indent="0">
-              <a:buNone/>
-              <a:defRPr sz="1600">
+            <a:lvl6pPr marL="457200" indent="0">
+              <a:buNone/>
+              <a:defRPr sz="320">
                 <a:solidFill>
                   <a:schemeClr val="tx1">
                     <a:tint val="75000"/>
@@ -1070,9 +952,9 @@
                 </a:solidFill>
               </a:defRPr>
             </a:lvl6pPr>
-            <a:lvl7pPr marL="2743200" indent="0">
-              <a:buNone/>
-              <a:defRPr sz="1600">
+            <a:lvl7pPr marL="548640" indent="0">
+              <a:buNone/>
+              <a:defRPr sz="320">
                 <a:solidFill>
                   <a:schemeClr val="tx1">
                     <a:tint val="75000"/>
@@ -1080,9 +962,9 @@
                 </a:solidFill>
               </a:defRPr>
             </a:lvl7pPr>
-            <a:lvl8pPr marL="3200400" indent="0">
-              <a:buNone/>
-              <a:defRPr sz="1600">
+            <a:lvl8pPr marL="640080" indent="0">
+              <a:buNone/>
+              <a:defRPr sz="320">
                 <a:solidFill>
                   <a:schemeClr val="tx1">
                     <a:tint val="75000"/>
@@ -1090,9 +972,9 @@
                 </a:solidFill>
               </a:defRPr>
             </a:lvl8pPr>
-            <a:lvl9pPr marL="3657600" indent="0">
-              <a:buNone/>
-              <a:defRPr sz="1600">
+            <a:lvl9pPr marL="731520" indent="0">
+              <a:buNone/>
+              <a:defRPr sz="320">
                 <a:solidFill>
                   <a:schemeClr val="tx1">
                     <a:tint val="75000"/>
@@ -1112,13 +994,7 @@
       </p:sp>
       <p:sp>
         <p:nvSpPr>
-          <p:cNvPr id="4" name="Date Placeholder 3">
-            <a:extLst>
-              <a:ext uri="{FF2B5EF4-FFF2-40B4-BE49-F238E27FC236}">
-                <a16:creationId xmlns:a16="http://schemas.microsoft.com/office/drawing/2014/main" id="{12E3D9CF-536F-2A27-68F8-A26AE87DCA29}"/>
-              </a:ext>
-            </a:extLst>
-          </p:cNvPr>
+          <p:cNvPr id="4" name="Date Placeholder 3"/>
           <p:cNvSpPr>
             <a:spLocks noGrp="1"/>
           </p:cNvSpPr>
@@ -1141,13 +1017,7 @@
       </p:sp>
       <p:sp>
         <p:nvSpPr>
-          <p:cNvPr id="5" name="Footer Placeholder 4">
-            <a:extLst>
-              <a:ext uri="{FF2B5EF4-FFF2-40B4-BE49-F238E27FC236}">
-                <a16:creationId xmlns:a16="http://schemas.microsoft.com/office/drawing/2014/main" id="{A45D3ED2-9C52-5B4C-489E-98243B7FA048}"/>
-              </a:ext>
-            </a:extLst>
-          </p:cNvPr>
+          <p:cNvPr id="5" name="Footer Placeholder 4"/>
           <p:cNvSpPr>
             <a:spLocks noGrp="1"/>
           </p:cNvSpPr>
@@ -1166,13 +1036,7 @@
       </p:sp>
       <p:sp>
         <p:nvSpPr>
-          <p:cNvPr id="6" name="Slide Number Placeholder 5">
-            <a:extLst>
-              <a:ext uri="{FF2B5EF4-FFF2-40B4-BE49-F238E27FC236}">
-                <a16:creationId xmlns:a16="http://schemas.microsoft.com/office/drawing/2014/main" id="{ED8722D0-6F79-4CF3-A610-6142229323E2}"/>
-              </a:ext>
-            </a:extLst>
-          </p:cNvPr>
+          <p:cNvPr id="6" name="Slide Number Placeholder 5"/>
           <p:cNvSpPr>
             <a:spLocks noGrp="1"/>
           </p:cNvSpPr>
@@ -1196,7 +1060,7 @@
     </p:spTree>
     <p:extLst>
       <p:ext uri="{BB962C8B-B14F-4D97-AF65-F5344CB8AC3E}">
-        <p14:creationId xmlns:p14="http://schemas.microsoft.com/office/powerpoint/2010/main" val="1683679910"/>
+        <p14:creationId xmlns:p14="http://schemas.microsoft.com/office/powerpoint/2010/main" val="3550247261"/>
       </p:ext>
     </p:extLst>
   </p:cSld>
@@ -1225,13 +1089,7 @@
       </p:grpSpPr>
       <p:sp>
         <p:nvSpPr>
-          <p:cNvPr id="2" name="Title 1">
-            <a:extLst>
-              <a:ext uri="{FF2B5EF4-FFF2-40B4-BE49-F238E27FC236}">
-                <a16:creationId xmlns:a16="http://schemas.microsoft.com/office/drawing/2014/main" id="{C56047FF-A356-2BAB-70BE-C92B81A9726D}"/>
-              </a:ext>
-            </a:extLst>
-          </p:cNvPr>
+          <p:cNvPr id="2" name="Title 1"/>
           <p:cNvSpPr>
             <a:spLocks noGrp="1"/>
           </p:cNvSpPr>
@@ -1248,18 +1106,13 @@
               <a:rPr lang="en-US"/>
               <a:t>Click to edit Master title style</a:t>
             </a:r>
-          </a:p>
-        </p:txBody>
-      </p:sp>
-      <p:sp>
-        <p:nvSpPr>
-          <p:cNvPr id="3" name="Content Placeholder 2">
-            <a:extLst>
-              <a:ext uri="{FF2B5EF4-FFF2-40B4-BE49-F238E27FC236}">
-                <a16:creationId xmlns:a16="http://schemas.microsoft.com/office/drawing/2014/main" id="{B8239CB5-9F16-7043-B99C-CFA7AED187B8}"/>
-              </a:ext>
-            </a:extLst>
-          </p:cNvPr>
+            <a:endParaRPr lang="en-US" dirty="0"/>
+          </a:p>
+        </p:txBody>
+      </p:sp>
+      <p:sp>
+        <p:nvSpPr>
+          <p:cNvPr id="3" name="Content Placeholder 2"/>
           <p:cNvSpPr>
             <a:spLocks noGrp="1"/>
           </p:cNvSpPr>
@@ -1269,8 +1122,8 @@
         </p:nvSpPr>
         <p:spPr>
           <a:xfrm>
-            <a:off x="838200" y="1825625"/>
-            <a:ext cx="5181600" cy="4351338"/>
+            <a:off x="282893" y="365125"/>
+            <a:ext cx="1748790" cy="870268"/>
           </a:xfrm>
         </p:spPr>
         <p:txBody>
@@ -1310,18 +1163,13 @@
               <a:rPr lang="en-US"/>
               <a:t>Fifth level</a:t>
             </a:r>
-          </a:p>
-        </p:txBody>
-      </p:sp>
-      <p:sp>
-        <p:nvSpPr>
-          <p:cNvPr id="4" name="Content Placeholder 3">
-            <a:extLst>
-              <a:ext uri="{FF2B5EF4-FFF2-40B4-BE49-F238E27FC236}">
-                <a16:creationId xmlns:a16="http://schemas.microsoft.com/office/drawing/2014/main" id="{4048931B-73C6-6EC8-D7B9-CF4BD91F98DD}"/>
-              </a:ext>
-            </a:extLst>
-          </p:cNvPr>
+            <a:endParaRPr lang="en-US" dirty="0"/>
+          </a:p>
+        </p:txBody>
+      </p:sp>
+      <p:sp>
+        <p:nvSpPr>
+          <p:cNvPr id="4" name="Content Placeholder 3"/>
           <p:cNvSpPr>
             <a:spLocks noGrp="1"/>
           </p:cNvSpPr>
@@ -1331,8 +1179,8 @@
         </p:nvSpPr>
         <p:spPr>
           <a:xfrm>
-            <a:off x="6172200" y="1825625"/>
-            <a:ext cx="5181600" cy="4351338"/>
+            <a:off x="2083118" y="365125"/>
+            <a:ext cx="1748790" cy="870268"/>
           </a:xfrm>
         </p:spPr>
         <p:txBody>
@@ -1372,18 +1220,13 @@
               <a:rPr lang="en-US"/>
               <a:t>Fifth level</a:t>
             </a:r>
-          </a:p>
-        </p:txBody>
-      </p:sp>
-      <p:sp>
-        <p:nvSpPr>
-          <p:cNvPr id="5" name="Date Placeholder 4">
-            <a:extLst>
-              <a:ext uri="{FF2B5EF4-FFF2-40B4-BE49-F238E27FC236}">
-                <a16:creationId xmlns:a16="http://schemas.microsoft.com/office/drawing/2014/main" id="{7985AE12-F700-3F5F-48C9-9FBD78CA7786}"/>
-              </a:ext>
-            </a:extLst>
-          </p:cNvPr>
+            <a:endParaRPr lang="en-US" dirty="0"/>
+          </a:p>
+        </p:txBody>
+      </p:sp>
+      <p:sp>
+        <p:nvSpPr>
+          <p:cNvPr id="5" name="Date Placeholder 4"/>
           <p:cNvSpPr>
             <a:spLocks noGrp="1"/>
           </p:cNvSpPr>
@@ -1406,13 +1249,7 @@
       </p:sp>
       <p:sp>
         <p:nvSpPr>
-          <p:cNvPr id="6" name="Footer Placeholder 5">
-            <a:extLst>
-              <a:ext uri="{FF2B5EF4-FFF2-40B4-BE49-F238E27FC236}">
-                <a16:creationId xmlns:a16="http://schemas.microsoft.com/office/drawing/2014/main" id="{E4F1E64A-D03C-D4C8-CAEE-77FE736BFADD}"/>
-              </a:ext>
-            </a:extLst>
-          </p:cNvPr>
+          <p:cNvPr id="6" name="Footer Placeholder 5"/>
           <p:cNvSpPr>
             <a:spLocks noGrp="1"/>
           </p:cNvSpPr>
@@ -1431,13 +1268,7 @@
       </p:sp>
       <p:sp>
         <p:nvSpPr>
-          <p:cNvPr id="7" name="Slide Number Placeholder 6">
-            <a:extLst>
-              <a:ext uri="{FF2B5EF4-FFF2-40B4-BE49-F238E27FC236}">
-                <a16:creationId xmlns:a16="http://schemas.microsoft.com/office/drawing/2014/main" id="{5059A60D-2A05-5E47-DF1F-F5F357145DE2}"/>
-              </a:ext>
-            </a:extLst>
-          </p:cNvPr>
+          <p:cNvPr id="7" name="Slide Number Placeholder 6"/>
           <p:cNvSpPr>
             <a:spLocks noGrp="1"/>
           </p:cNvSpPr>
@@ -1461,7 +1292,7 @@
     </p:spTree>
     <p:extLst>
       <p:ext uri="{BB962C8B-B14F-4D97-AF65-F5344CB8AC3E}">
-        <p14:creationId xmlns:p14="http://schemas.microsoft.com/office/powerpoint/2010/main" val="2809449919"/>
+        <p14:creationId xmlns:p14="http://schemas.microsoft.com/office/powerpoint/2010/main" val="2640313621"/>
       </p:ext>
     </p:extLst>
   </p:cSld>
@@ -1490,13 +1321,7 @@
       </p:grpSpPr>
       <p:sp>
         <p:nvSpPr>
-          <p:cNvPr id="2" name="Title 1">
-            <a:extLst>
-              <a:ext uri="{FF2B5EF4-FFF2-40B4-BE49-F238E27FC236}">
-                <a16:creationId xmlns:a16="http://schemas.microsoft.com/office/drawing/2014/main" id="{AB853208-2476-CEA3-8D12-A64216D0A4B9}"/>
-              </a:ext>
-            </a:extLst>
-          </p:cNvPr>
+          <p:cNvPr id="2" name="Title 1"/>
           <p:cNvSpPr>
             <a:spLocks noGrp="1"/>
           </p:cNvSpPr>
@@ -1506,8 +1331,8 @@
         </p:nvSpPr>
         <p:spPr>
           <a:xfrm>
-            <a:off x="839788" y="365125"/>
-            <a:ext cx="10515600" cy="1325563"/>
+            <a:off x="283428" y="73025"/>
+            <a:ext cx="3549015" cy="265113"/>
           </a:xfrm>
         </p:spPr>
         <p:txBody>
@@ -1518,18 +1343,13 @@
               <a:rPr lang="en-US"/>
               <a:t>Click to edit Master title style</a:t>
             </a:r>
-          </a:p>
-        </p:txBody>
-      </p:sp>
-      <p:sp>
-        <p:nvSpPr>
-          <p:cNvPr id="3" name="Text Placeholder 2">
-            <a:extLst>
-              <a:ext uri="{FF2B5EF4-FFF2-40B4-BE49-F238E27FC236}">
-                <a16:creationId xmlns:a16="http://schemas.microsoft.com/office/drawing/2014/main" id="{C440E957-4E57-B34B-7209-92784595682D}"/>
-              </a:ext>
-            </a:extLst>
-          </p:cNvPr>
+            <a:endParaRPr lang="en-US" dirty="0"/>
+          </a:p>
+        </p:txBody>
+      </p:sp>
+      <p:sp>
+        <p:nvSpPr>
+          <p:cNvPr id="3" name="Text Placeholder 2"/>
           <p:cNvSpPr>
             <a:spLocks noGrp="1"/>
           </p:cNvSpPr>
@@ -1539,8 +1359,8 @@
         </p:nvSpPr>
         <p:spPr>
           <a:xfrm>
-            <a:off x="839788" y="1681163"/>
-            <a:ext cx="5157787" cy="823912"/>
+            <a:off x="283429" y="336233"/>
+            <a:ext cx="1740753" cy="164782"/>
           </a:xfrm>
         </p:spPr>
         <p:txBody>
@@ -1548,39 +1368,39 @@
           <a:lstStyle>
             <a:lvl1pPr marL="0" indent="0">
               <a:buNone/>
-              <a:defRPr sz="2400" b="1"/>
+              <a:defRPr sz="480" b="1"/>
             </a:lvl1pPr>
-            <a:lvl2pPr marL="457200" indent="0">
-              <a:buNone/>
-              <a:defRPr sz="2000" b="1"/>
+            <a:lvl2pPr marL="91440" indent="0">
+              <a:buNone/>
+              <a:defRPr sz="400" b="1"/>
             </a:lvl2pPr>
-            <a:lvl3pPr marL="914400" indent="0">
-              <a:buNone/>
-              <a:defRPr sz="1800" b="1"/>
+            <a:lvl3pPr marL="182880" indent="0">
+              <a:buNone/>
+              <a:defRPr sz="360" b="1"/>
             </a:lvl3pPr>
-            <a:lvl4pPr marL="1371600" indent="0">
-              <a:buNone/>
-              <a:defRPr sz="1600" b="1"/>
+            <a:lvl4pPr marL="274320" indent="0">
+              <a:buNone/>
+              <a:defRPr sz="320" b="1"/>
             </a:lvl4pPr>
-            <a:lvl5pPr marL="1828800" indent="0">
-              <a:buNone/>
-              <a:defRPr sz="1600" b="1"/>
+            <a:lvl5pPr marL="365760" indent="0">
+              <a:buNone/>
+              <a:defRPr sz="320" b="1"/>
             </a:lvl5pPr>
-            <a:lvl6pPr marL="2286000" indent="0">
-              <a:buNone/>
-              <a:defRPr sz="1600" b="1"/>
+            <a:lvl6pPr marL="457200" indent="0">
+              <a:buNone/>
+              <a:defRPr sz="320" b="1"/>
             </a:lvl6pPr>
-            <a:lvl7pPr marL="2743200" indent="0">
-              <a:buNone/>
-              <a:defRPr sz="1600" b="1"/>
+            <a:lvl7pPr marL="548640" indent="0">
+              <a:buNone/>
+              <a:defRPr sz="320" b="1"/>
             </a:lvl7pPr>
-            <a:lvl8pPr marL="3200400" indent="0">
-              <a:buNone/>
-              <a:defRPr sz="1600" b="1"/>
+            <a:lvl8pPr marL="640080" indent="0">
+              <a:buNone/>
+              <a:defRPr sz="320" b="1"/>
             </a:lvl8pPr>
-            <a:lvl9pPr marL="3657600" indent="0">
-              <a:buNone/>
-              <a:defRPr sz="1600" b="1"/>
+            <a:lvl9pPr marL="731520" indent="0">
+              <a:buNone/>
+              <a:defRPr sz="320" b="1"/>
             </a:lvl9pPr>
           </a:lstStyle>
           <a:p>
@@ -1594,13 +1414,7 @@
       </p:sp>
       <p:sp>
         <p:nvSpPr>
-          <p:cNvPr id="4" name="Content Placeholder 3">
-            <a:extLst>
-              <a:ext uri="{FF2B5EF4-FFF2-40B4-BE49-F238E27FC236}">
-                <a16:creationId xmlns:a16="http://schemas.microsoft.com/office/drawing/2014/main" id="{3A325A67-8337-A23F-2DD6-971E476DA0A5}"/>
-              </a:ext>
-            </a:extLst>
-          </p:cNvPr>
+          <p:cNvPr id="4" name="Content Placeholder 3"/>
           <p:cNvSpPr>
             <a:spLocks noGrp="1"/>
           </p:cNvSpPr>
@@ -1610,8 +1424,8 @@
         </p:nvSpPr>
         <p:spPr>
           <a:xfrm>
-            <a:off x="839788" y="2505075"/>
-            <a:ext cx="5157787" cy="3684588"/>
+            <a:off x="283429" y="501015"/>
+            <a:ext cx="1740753" cy="736918"/>
           </a:xfrm>
         </p:spPr>
         <p:txBody>
@@ -1651,18 +1465,13 @@
               <a:rPr lang="en-US"/>
               <a:t>Fifth level</a:t>
             </a:r>
-          </a:p>
-        </p:txBody>
-      </p:sp>
-      <p:sp>
-        <p:nvSpPr>
-          <p:cNvPr id="5" name="Text Placeholder 4">
-            <a:extLst>
-              <a:ext uri="{FF2B5EF4-FFF2-40B4-BE49-F238E27FC236}">
-                <a16:creationId xmlns:a16="http://schemas.microsoft.com/office/drawing/2014/main" id="{29C98511-CB05-40A5-EDA7-A535A53AF6F7}"/>
-              </a:ext>
-            </a:extLst>
-          </p:cNvPr>
+            <a:endParaRPr lang="en-US" dirty="0"/>
+          </a:p>
+        </p:txBody>
+      </p:sp>
+      <p:sp>
+        <p:nvSpPr>
+          <p:cNvPr id="5" name="Text Placeholder 4"/>
           <p:cNvSpPr>
             <a:spLocks noGrp="1"/>
           </p:cNvSpPr>
@@ -1672,8 +1481,8 @@
         </p:nvSpPr>
         <p:spPr>
           <a:xfrm>
-            <a:off x="6172200" y="1681163"/>
-            <a:ext cx="5183188" cy="823912"/>
+            <a:off x="2083117" y="336233"/>
+            <a:ext cx="1749326" cy="164782"/>
           </a:xfrm>
         </p:spPr>
         <p:txBody>
@@ -1681,39 +1490,39 @@
           <a:lstStyle>
             <a:lvl1pPr marL="0" indent="0">
               <a:buNone/>
-              <a:defRPr sz="2400" b="1"/>
+              <a:defRPr sz="480" b="1"/>
             </a:lvl1pPr>
-            <a:lvl2pPr marL="457200" indent="0">
-              <a:buNone/>
-              <a:defRPr sz="2000" b="1"/>
+            <a:lvl2pPr marL="91440" indent="0">
+              <a:buNone/>
+              <a:defRPr sz="400" b="1"/>
             </a:lvl2pPr>
-            <a:lvl3pPr marL="914400" indent="0">
-              <a:buNone/>
-              <a:defRPr sz="1800" b="1"/>
+            <a:lvl3pPr marL="182880" indent="0">
+              <a:buNone/>
+              <a:defRPr sz="360" b="1"/>
             </a:lvl3pPr>
-            <a:lvl4pPr marL="1371600" indent="0">
-              <a:buNone/>
-              <a:defRPr sz="1600" b="1"/>
+            <a:lvl4pPr marL="274320" indent="0">
+              <a:buNone/>
+              <a:defRPr sz="320" b="1"/>
             </a:lvl4pPr>
-            <a:lvl5pPr marL="1828800" indent="0">
-              <a:buNone/>
-              <a:defRPr sz="1600" b="1"/>
+            <a:lvl5pPr marL="365760" indent="0">
+              <a:buNone/>
+              <a:defRPr sz="320" b="1"/>
             </a:lvl5pPr>
-            <a:lvl6pPr marL="2286000" indent="0">
-              <a:buNone/>
-              <a:defRPr sz="1600" b="1"/>
+            <a:lvl6pPr marL="457200" indent="0">
+              <a:buNone/>
+              <a:defRPr sz="320" b="1"/>
             </a:lvl6pPr>
-            <a:lvl7pPr marL="2743200" indent="0">
-              <a:buNone/>
-              <a:defRPr sz="1600" b="1"/>
+            <a:lvl7pPr marL="548640" indent="0">
+              <a:buNone/>
+              <a:defRPr sz="320" b="1"/>
             </a:lvl7pPr>
-            <a:lvl8pPr marL="3200400" indent="0">
-              <a:buNone/>
-              <a:defRPr sz="1600" b="1"/>
+            <a:lvl8pPr marL="640080" indent="0">
+              <a:buNone/>
+              <a:defRPr sz="320" b="1"/>
             </a:lvl8pPr>
-            <a:lvl9pPr marL="3657600" indent="0">
-              <a:buNone/>
-              <a:defRPr sz="1600" b="1"/>
+            <a:lvl9pPr marL="731520" indent="0">
+              <a:buNone/>
+              <a:defRPr sz="320" b="1"/>
             </a:lvl9pPr>
           </a:lstStyle>
           <a:p>
@@ -1727,13 +1536,7 @@
       </p:sp>
       <p:sp>
         <p:nvSpPr>
-          <p:cNvPr id="6" name="Content Placeholder 5">
-            <a:extLst>
-              <a:ext uri="{FF2B5EF4-FFF2-40B4-BE49-F238E27FC236}">
-                <a16:creationId xmlns:a16="http://schemas.microsoft.com/office/drawing/2014/main" id="{8A55C3C5-19F3-D151-EAA8-A6E861F4E7B7}"/>
-              </a:ext>
-            </a:extLst>
-          </p:cNvPr>
+          <p:cNvPr id="6" name="Content Placeholder 5"/>
           <p:cNvSpPr>
             <a:spLocks noGrp="1"/>
           </p:cNvSpPr>
@@ -1743,8 +1546,8 @@
         </p:nvSpPr>
         <p:spPr>
           <a:xfrm>
-            <a:off x="6172200" y="2505075"/>
-            <a:ext cx="5183188" cy="3684588"/>
+            <a:off x="2083117" y="501015"/>
+            <a:ext cx="1749326" cy="736918"/>
           </a:xfrm>
         </p:spPr>
         <p:txBody>
@@ -1784,18 +1587,13 @@
               <a:rPr lang="en-US"/>
               <a:t>Fifth level</a:t>
             </a:r>
-          </a:p>
-        </p:txBody>
-      </p:sp>
-      <p:sp>
-        <p:nvSpPr>
-          <p:cNvPr id="7" name="Date Placeholder 6">
-            <a:extLst>
-              <a:ext uri="{FF2B5EF4-FFF2-40B4-BE49-F238E27FC236}">
-                <a16:creationId xmlns:a16="http://schemas.microsoft.com/office/drawing/2014/main" id="{A675B16B-A8BB-D201-38CE-8A3098FABF9F}"/>
-              </a:ext>
-            </a:extLst>
-          </p:cNvPr>
+            <a:endParaRPr lang="en-US" dirty="0"/>
+          </a:p>
+        </p:txBody>
+      </p:sp>
+      <p:sp>
+        <p:nvSpPr>
+          <p:cNvPr id="7" name="Date Placeholder 6"/>
           <p:cNvSpPr>
             <a:spLocks noGrp="1"/>
           </p:cNvSpPr>
@@ -1818,13 +1616,7 @@
       </p:sp>
       <p:sp>
         <p:nvSpPr>
-          <p:cNvPr id="8" name="Footer Placeholder 7">
-            <a:extLst>
-              <a:ext uri="{FF2B5EF4-FFF2-40B4-BE49-F238E27FC236}">
-                <a16:creationId xmlns:a16="http://schemas.microsoft.com/office/drawing/2014/main" id="{AE9F722F-8013-E706-D142-E90E4A269882}"/>
-              </a:ext>
-            </a:extLst>
-          </p:cNvPr>
+          <p:cNvPr id="8" name="Footer Placeholder 7"/>
           <p:cNvSpPr>
             <a:spLocks noGrp="1"/>
           </p:cNvSpPr>
@@ -1843,13 +1635,7 @@
       </p:sp>
       <p:sp>
         <p:nvSpPr>
-          <p:cNvPr id="9" name="Slide Number Placeholder 8">
-            <a:extLst>
-              <a:ext uri="{FF2B5EF4-FFF2-40B4-BE49-F238E27FC236}">
-                <a16:creationId xmlns:a16="http://schemas.microsoft.com/office/drawing/2014/main" id="{953CB51D-1287-B98F-366C-B887F49A05FB}"/>
-              </a:ext>
-            </a:extLst>
-          </p:cNvPr>
+          <p:cNvPr id="9" name="Slide Number Placeholder 8"/>
           <p:cNvSpPr>
             <a:spLocks noGrp="1"/>
           </p:cNvSpPr>
@@ -1873,7 +1659,7 @@
     </p:spTree>
     <p:extLst>
       <p:ext uri="{BB962C8B-B14F-4D97-AF65-F5344CB8AC3E}">
-        <p14:creationId xmlns:p14="http://schemas.microsoft.com/office/powerpoint/2010/main" val="1349053069"/>
+        <p14:creationId xmlns:p14="http://schemas.microsoft.com/office/powerpoint/2010/main" val="1209614482"/>
       </p:ext>
     </p:extLst>
   </p:cSld>
@@ -1902,13 +1688,7 @@
       </p:grpSpPr>
       <p:sp>
         <p:nvSpPr>
-          <p:cNvPr id="2" name="Title 1">
-            <a:extLst>
-              <a:ext uri="{FF2B5EF4-FFF2-40B4-BE49-F238E27FC236}">
-                <a16:creationId xmlns:a16="http://schemas.microsoft.com/office/drawing/2014/main" id="{4AAE1501-FF60-E215-B8A4-BDD0F885936A}"/>
-              </a:ext>
-            </a:extLst>
-          </p:cNvPr>
+          <p:cNvPr id="2" name="Title 1"/>
           <p:cNvSpPr>
             <a:spLocks noGrp="1"/>
           </p:cNvSpPr>
@@ -1925,18 +1705,13 @@
               <a:rPr lang="en-US"/>
               <a:t>Click to edit Master title style</a:t>
             </a:r>
-          </a:p>
-        </p:txBody>
-      </p:sp>
-      <p:sp>
-        <p:nvSpPr>
-          <p:cNvPr id="3" name="Date Placeholder 2">
-            <a:extLst>
-              <a:ext uri="{FF2B5EF4-FFF2-40B4-BE49-F238E27FC236}">
-                <a16:creationId xmlns:a16="http://schemas.microsoft.com/office/drawing/2014/main" id="{D7945D92-4FA4-AA87-FD19-F02D88766235}"/>
-              </a:ext>
-            </a:extLst>
-          </p:cNvPr>
+            <a:endParaRPr lang="en-US" dirty="0"/>
+          </a:p>
+        </p:txBody>
+      </p:sp>
+      <p:sp>
+        <p:nvSpPr>
+          <p:cNvPr id="3" name="Date Placeholder 2"/>
           <p:cNvSpPr>
             <a:spLocks noGrp="1"/>
           </p:cNvSpPr>
@@ -1959,13 +1734,7 @@
       </p:sp>
       <p:sp>
         <p:nvSpPr>
-          <p:cNvPr id="4" name="Footer Placeholder 3">
-            <a:extLst>
-              <a:ext uri="{FF2B5EF4-FFF2-40B4-BE49-F238E27FC236}">
-                <a16:creationId xmlns:a16="http://schemas.microsoft.com/office/drawing/2014/main" id="{302FE92D-C884-F6C9-354D-57513CFA04DA}"/>
-              </a:ext>
-            </a:extLst>
-          </p:cNvPr>
+          <p:cNvPr id="4" name="Footer Placeholder 3"/>
           <p:cNvSpPr>
             <a:spLocks noGrp="1"/>
           </p:cNvSpPr>
@@ -1984,13 +1753,7 @@
       </p:sp>
       <p:sp>
         <p:nvSpPr>
-          <p:cNvPr id="5" name="Slide Number Placeholder 4">
-            <a:extLst>
-              <a:ext uri="{FF2B5EF4-FFF2-40B4-BE49-F238E27FC236}">
-                <a16:creationId xmlns:a16="http://schemas.microsoft.com/office/drawing/2014/main" id="{C430B260-287A-ADFD-5985-EEA8BD99928A}"/>
-              </a:ext>
-            </a:extLst>
-          </p:cNvPr>
+          <p:cNvPr id="5" name="Slide Number Placeholder 4"/>
           <p:cNvSpPr>
             <a:spLocks noGrp="1"/>
           </p:cNvSpPr>
@@ -2014,7 +1777,7 @@
     </p:spTree>
     <p:extLst>
       <p:ext uri="{BB962C8B-B14F-4D97-AF65-F5344CB8AC3E}">
-        <p14:creationId xmlns:p14="http://schemas.microsoft.com/office/powerpoint/2010/main" val="4089419182"/>
+        <p14:creationId xmlns:p14="http://schemas.microsoft.com/office/powerpoint/2010/main" val="1083209824"/>
       </p:ext>
     </p:extLst>
   </p:cSld>
@@ -2043,13 +1806,7 @@
       </p:grpSpPr>
       <p:sp>
         <p:nvSpPr>
-          <p:cNvPr id="2" name="Date Placeholder 1">
-            <a:extLst>
-              <a:ext uri="{FF2B5EF4-FFF2-40B4-BE49-F238E27FC236}">
-                <a16:creationId xmlns:a16="http://schemas.microsoft.com/office/drawing/2014/main" id="{F548BB76-A8C1-4BBE-382A-7600ED8E86B0}"/>
-              </a:ext>
-            </a:extLst>
-          </p:cNvPr>
+          <p:cNvPr id="2" name="Date Placeholder 1"/>
           <p:cNvSpPr>
             <a:spLocks noGrp="1"/>
           </p:cNvSpPr>
@@ -2072,13 +1829,7 @@
       </p:sp>
       <p:sp>
         <p:nvSpPr>
-          <p:cNvPr id="3" name="Footer Placeholder 2">
-            <a:extLst>
-              <a:ext uri="{FF2B5EF4-FFF2-40B4-BE49-F238E27FC236}">
-                <a16:creationId xmlns:a16="http://schemas.microsoft.com/office/drawing/2014/main" id="{2DE3A97B-4CAF-EDBC-9586-BCA8BB202A26}"/>
-              </a:ext>
-            </a:extLst>
-          </p:cNvPr>
+          <p:cNvPr id="3" name="Footer Placeholder 2"/>
           <p:cNvSpPr>
             <a:spLocks noGrp="1"/>
           </p:cNvSpPr>
@@ -2097,13 +1848,7 @@
       </p:sp>
       <p:sp>
         <p:nvSpPr>
-          <p:cNvPr id="4" name="Slide Number Placeholder 3">
-            <a:extLst>
-              <a:ext uri="{FF2B5EF4-FFF2-40B4-BE49-F238E27FC236}">
-                <a16:creationId xmlns:a16="http://schemas.microsoft.com/office/drawing/2014/main" id="{C3373FCE-3F54-80E7-30E7-A25689FE5D59}"/>
-              </a:ext>
-            </a:extLst>
-          </p:cNvPr>
+          <p:cNvPr id="4" name="Slide Number Placeholder 3"/>
           <p:cNvSpPr>
             <a:spLocks noGrp="1"/>
           </p:cNvSpPr>
@@ -2127,7 +1872,7 @@
     </p:spTree>
     <p:extLst>
       <p:ext uri="{BB962C8B-B14F-4D97-AF65-F5344CB8AC3E}">
-        <p14:creationId xmlns:p14="http://schemas.microsoft.com/office/powerpoint/2010/main" val="2496212350"/>
+        <p14:creationId xmlns:p14="http://schemas.microsoft.com/office/powerpoint/2010/main" val="1403104438"/>
       </p:ext>
     </p:extLst>
   </p:cSld>
@@ -2156,13 +1901,7 @@
       </p:grpSpPr>
       <p:sp>
         <p:nvSpPr>
-          <p:cNvPr id="2" name="Title 1">
-            <a:extLst>
-              <a:ext uri="{FF2B5EF4-FFF2-40B4-BE49-F238E27FC236}">
-                <a16:creationId xmlns:a16="http://schemas.microsoft.com/office/drawing/2014/main" id="{38745438-CA1A-2C33-5A9A-0C3EE9B653B1}"/>
-              </a:ext>
-            </a:extLst>
-          </p:cNvPr>
+          <p:cNvPr id="2" name="Title 1"/>
           <p:cNvSpPr>
             <a:spLocks noGrp="1"/>
           </p:cNvSpPr>
@@ -2172,15 +1911,15 @@
         </p:nvSpPr>
         <p:spPr>
           <a:xfrm>
-            <a:off x="839788" y="457200"/>
-            <a:ext cx="3932237" cy="1600200"/>
+            <a:off x="283429" y="91440"/>
+            <a:ext cx="1327130" cy="320040"/>
           </a:xfrm>
         </p:spPr>
         <p:txBody>
           <a:bodyPr anchor="b"/>
           <a:lstStyle>
             <a:lvl1pPr>
-              <a:defRPr sz="3200"/>
+              <a:defRPr sz="640"/>
             </a:lvl1pPr>
           </a:lstStyle>
           <a:p>
@@ -2188,18 +1927,13 @@
               <a:rPr lang="en-US"/>
               <a:t>Click to edit Master title style</a:t>
             </a:r>
-          </a:p>
-        </p:txBody>
-      </p:sp>
-      <p:sp>
-        <p:nvSpPr>
-          <p:cNvPr id="3" name="Content Placeholder 2">
-            <a:extLst>
-              <a:ext uri="{FF2B5EF4-FFF2-40B4-BE49-F238E27FC236}">
-                <a16:creationId xmlns:a16="http://schemas.microsoft.com/office/drawing/2014/main" id="{60EB4E70-679A-2449-1310-4037E20BC476}"/>
-              </a:ext>
-            </a:extLst>
-          </p:cNvPr>
+            <a:endParaRPr lang="en-US" dirty="0"/>
+          </a:p>
+        </p:txBody>
+      </p:sp>
+      <p:sp>
+        <p:nvSpPr>
+          <p:cNvPr id="3" name="Content Placeholder 2"/>
           <p:cNvSpPr>
             <a:spLocks noGrp="1"/>
           </p:cNvSpPr>
@@ -2209,39 +1943,39 @@
         </p:nvSpPr>
         <p:spPr>
           <a:xfrm>
-            <a:off x="5183188" y="987425"/>
-            <a:ext cx="6172200" cy="4873625"/>
+            <a:off x="1749326" y="197485"/>
+            <a:ext cx="2083118" cy="974725"/>
           </a:xfrm>
         </p:spPr>
         <p:txBody>
           <a:bodyPr/>
           <a:lstStyle>
             <a:lvl1pPr>
-              <a:defRPr sz="3200"/>
+              <a:defRPr sz="640"/>
             </a:lvl1pPr>
             <a:lvl2pPr>
-              <a:defRPr sz="2800"/>
+              <a:defRPr sz="560"/>
             </a:lvl2pPr>
             <a:lvl3pPr>
-              <a:defRPr sz="2400"/>
+              <a:defRPr sz="480"/>
             </a:lvl3pPr>
             <a:lvl4pPr>
-              <a:defRPr sz="2000"/>
+              <a:defRPr sz="400"/>
             </a:lvl4pPr>
             <a:lvl5pPr>
-              <a:defRPr sz="2000"/>
+              <a:defRPr sz="400"/>
             </a:lvl5pPr>
             <a:lvl6pPr>
-              <a:defRPr sz="2000"/>
+              <a:defRPr sz="400"/>
             </a:lvl6pPr>
             <a:lvl7pPr>
-              <a:defRPr sz="2000"/>
+              <a:defRPr sz="400"/>
             </a:lvl7pPr>
             <a:lvl8pPr>
-              <a:defRPr sz="2000"/>
+              <a:defRPr sz="400"/>
             </a:lvl8pPr>
             <a:lvl9pPr>
-              <a:defRPr sz="2000"/>
+              <a:defRPr sz="400"/>
             </a:lvl9pPr>
           </a:lstStyle>
           <a:p>
@@ -2278,18 +2012,13 @@
               <a:rPr lang="en-US"/>
               <a:t>Fifth level</a:t>
             </a:r>
-          </a:p>
-        </p:txBody>
-      </p:sp>
-      <p:sp>
-        <p:nvSpPr>
-          <p:cNvPr id="4" name="Text Placeholder 3">
-            <a:extLst>
-              <a:ext uri="{FF2B5EF4-FFF2-40B4-BE49-F238E27FC236}">
-                <a16:creationId xmlns:a16="http://schemas.microsoft.com/office/drawing/2014/main" id="{315CA75D-987F-933A-CD06-A7C3DCCAEA2B}"/>
-              </a:ext>
-            </a:extLst>
-          </p:cNvPr>
+            <a:endParaRPr lang="en-US" dirty="0"/>
+          </a:p>
+        </p:txBody>
+      </p:sp>
+      <p:sp>
+        <p:nvSpPr>
+          <p:cNvPr id="4" name="Text Placeholder 3"/>
           <p:cNvSpPr>
             <a:spLocks noGrp="1"/>
           </p:cNvSpPr>
@@ -2299,8 +2028,8 @@
         </p:nvSpPr>
         <p:spPr>
           <a:xfrm>
-            <a:off x="839788" y="2057400"/>
-            <a:ext cx="3932237" cy="3811588"/>
+            <a:off x="283429" y="411480"/>
+            <a:ext cx="1327130" cy="762318"/>
           </a:xfrm>
         </p:spPr>
         <p:txBody>
@@ -2308,39 +2037,39 @@
           <a:lstStyle>
             <a:lvl1pPr marL="0" indent="0">
               <a:buNone/>
-              <a:defRPr sz="1600"/>
+              <a:defRPr sz="320"/>
             </a:lvl1pPr>
-            <a:lvl2pPr marL="457200" indent="0">
-              <a:buNone/>
-              <a:defRPr sz="1400"/>
+            <a:lvl2pPr marL="91440" indent="0">
+              <a:buNone/>
+              <a:defRPr sz="280"/>
             </a:lvl2pPr>
-            <a:lvl3pPr marL="914400" indent="0">
-              <a:buNone/>
-              <a:defRPr sz="1200"/>
+            <a:lvl3pPr marL="182880" indent="0">
+              <a:buNone/>
+              <a:defRPr sz="240"/>
             </a:lvl3pPr>
-            <a:lvl4pPr marL="1371600" indent="0">
-              <a:buNone/>
-              <a:defRPr sz="1000"/>
+            <a:lvl4pPr marL="274320" indent="0">
+              <a:buNone/>
+              <a:defRPr sz="200"/>
             </a:lvl4pPr>
-            <a:lvl5pPr marL="1828800" indent="0">
-              <a:buNone/>
-              <a:defRPr sz="1000"/>
+            <a:lvl5pPr marL="365760" indent="0">
+              <a:buNone/>
+              <a:defRPr sz="200"/>
             </a:lvl5pPr>
-            <a:lvl6pPr marL="2286000" indent="0">
-              <a:buNone/>
-              <a:defRPr sz="1000"/>
+            <a:lvl6pPr marL="457200" indent="0">
+              <a:buNone/>
+              <a:defRPr sz="200"/>
             </a:lvl6pPr>
-            <a:lvl7pPr marL="2743200" indent="0">
-              <a:buNone/>
-              <a:defRPr sz="1000"/>
+            <a:lvl7pPr marL="548640" indent="0">
+              <a:buNone/>
+              <a:defRPr sz="200"/>
             </a:lvl7pPr>
-            <a:lvl8pPr marL="3200400" indent="0">
-              <a:buNone/>
-              <a:defRPr sz="1000"/>
+            <a:lvl8pPr marL="640080" indent="0">
+              <a:buNone/>
+              <a:defRPr sz="200"/>
             </a:lvl8pPr>
-            <a:lvl9pPr marL="3657600" indent="0">
-              <a:buNone/>
-              <a:defRPr sz="1000"/>
+            <a:lvl9pPr marL="731520" indent="0">
+              <a:buNone/>
+              <a:defRPr sz="200"/>
             </a:lvl9pPr>
           </a:lstStyle>
           <a:p>
@@ -2354,13 +2083,7 @@
       </p:sp>
       <p:sp>
         <p:nvSpPr>
-          <p:cNvPr id="5" name="Date Placeholder 4">
-            <a:extLst>
-              <a:ext uri="{FF2B5EF4-FFF2-40B4-BE49-F238E27FC236}">
-                <a16:creationId xmlns:a16="http://schemas.microsoft.com/office/drawing/2014/main" id="{A7E04995-812B-98BE-A87B-4703BDD44FFE}"/>
-              </a:ext>
-            </a:extLst>
-          </p:cNvPr>
+          <p:cNvPr id="5" name="Date Placeholder 4"/>
           <p:cNvSpPr>
             <a:spLocks noGrp="1"/>
           </p:cNvSpPr>
@@ -2383,13 +2106,7 @@
       </p:sp>
       <p:sp>
         <p:nvSpPr>
-          <p:cNvPr id="6" name="Footer Placeholder 5">
-            <a:extLst>
-              <a:ext uri="{FF2B5EF4-FFF2-40B4-BE49-F238E27FC236}">
-                <a16:creationId xmlns:a16="http://schemas.microsoft.com/office/drawing/2014/main" id="{033FAC50-EC01-80D4-5BF4-0A141D3ED495}"/>
-              </a:ext>
-            </a:extLst>
-          </p:cNvPr>
+          <p:cNvPr id="6" name="Footer Placeholder 5"/>
           <p:cNvSpPr>
             <a:spLocks noGrp="1"/>
           </p:cNvSpPr>
@@ -2408,13 +2125,7 @@
       </p:sp>
       <p:sp>
         <p:nvSpPr>
-          <p:cNvPr id="7" name="Slide Number Placeholder 6">
-            <a:extLst>
-              <a:ext uri="{FF2B5EF4-FFF2-40B4-BE49-F238E27FC236}">
-                <a16:creationId xmlns:a16="http://schemas.microsoft.com/office/drawing/2014/main" id="{FD4CCB53-EEAA-AE19-244F-E96821B4DAE2}"/>
-              </a:ext>
-            </a:extLst>
-          </p:cNvPr>
+          <p:cNvPr id="7" name="Slide Number Placeholder 6"/>
           <p:cNvSpPr>
             <a:spLocks noGrp="1"/>
           </p:cNvSpPr>
@@ -2438,7 +2149,7 @@
     </p:spTree>
     <p:extLst>
       <p:ext uri="{BB962C8B-B14F-4D97-AF65-F5344CB8AC3E}">
-        <p14:creationId xmlns:p14="http://schemas.microsoft.com/office/powerpoint/2010/main" val="3652509475"/>
+        <p14:creationId xmlns:p14="http://schemas.microsoft.com/office/powerpoint/2010/main" val="3620262202"/>
       </p:ext>
     </p:extLst>
   </p:cSld>
@@ -2467,13 +2178,7 @@
       </p:grpSpPr>
       <p:sp>
         <p:nvSpPr>
-          <p:cNvPr id="2" name="Title 1">
-            <a:extLst>
-              <a:ext uri="{FF2B5EF4-FFF2-40B4-BE49-F238E27FC236}">
-                <a16:creationId xmlns:a16="http://schemas.microsoft.com/office/drawing/2014/main" id="{E8B6938B-6B09-6025-2E1F-EB54B2A0A12A}"/>
-              </a:ext>
-            </a:extLst>
-          </p:cNvPr>
+          <p:cNvPr id="2" name="Title 1"/>
           <p:cNvSpPr>
             <a:spLocks noGrp="1"/>
           </p:cNvSpPr>
@@ -2483,15 +2188,15 @@
         </p:nvSpPr>
         <p:spPr>
           <a:xfrm>
-            <a:off x="839788" y="457200"/>
-            <a:ext cx="3932237" cy="1600200"/>
+            <a:off x="283429" y="91440"/>
+            <a:ext cx="1327130" cy="320040"/>
           </a:xfrm>
         </p:spPr>
         <p:txBody>
           <a:bodyPr anchor="b"/>
           <a:lstStyle>
             <a:lvl1pPr>
-              <a:defRPr sz="3200"/>
+              <a:defRPr sz="640"/>
             </a:lvl1pPr>
           </a:lstStyle>
           <a:p>
@@ -2499,20 +2204,15 @@
               <a:rPr lang="en-US"/>
               <a:t>Click to edit Master title style</a:t>
             </a:r>
-          </a:p>
-        </p:txBody>
-      </p:sp>
-      <p:sp>
-        <p:nvSpPr>
-          <p:cNvPr id="3" name="Picture Placeholder 2">
-            <a:extLst>
-              <a:ext uri="{FF2B5EF4-FFF2-40B4-BE49-F238E27FC236}">
-                <a16:creationId xmlns:a16="http://schemas.microsoft.com/office/drawing/2014/main" id="{A2F61BEA-A8AA-1364-D8C8-90D3F07F09D2}"/>
-              </a:ext>
-            </a:extLst>
-          </p:cNvPr>
-          <p:cNvSpPr>
-            <a:spLocks noGrp="1"/>
+            <a:endParaRPr lang="en-US" dirty="0"/>
+          </a:p>
+        </p:txBody>
+      </p:sp>
+      <p:sp>
+        <p:nvSpPr>
+          <p:cNvPr id="3" name="Picture Placeholder 2"/>
+          <p:cNvSpPr>
+            <a:spLocks noGrp="1" noChangeAspect="1"/>
           </p:cNvSpPr>
           <p:nvPr>
             <p:ph type="pic" idx="1"/>
@@ -2520,64 +2220,62 @@
         </p:nvSpPr>
         <p:spPr>
           <a:xfrm>
-            <a:off x="5183188" y="987425"/>
-            <a:ext cx="6172200" cy="4873625"/>
+            <a:off x="1749326" y="197485"/>
+            <a:ext cx="2083118" cy="974725"/>
           </a:xfrm>
         </p:spPr>
         <p:txBody>
-          <a:bodyPr/>
+          <a:bodyPr anchor="t"/>
           <a:lstStyle>
             <a:lvl1pPr marL="0" indent="0">
               <a:buNone/>
-              <a:defRPr sz="3200"/>
+              <a:defRPr sz="640"/>
             </a:lvl1pPr>
-            <a:lvl2pPr marL="457200" indent="0">
-              <a:buNone/>
-              <a:defRPr sz="2800"/>
+            <a:lvl2pPr marL="91440" indent="0">
+              <a:buNone/>
+              <a:defRPr sz="560"/>
             </a:lvl2pPr>
-            <a:lvl3pPr marL="914400" indent="0">
-              <a:buNone/>
-              <a:defRPr sz="2400"/>
+            <a:lvl3pPr marL="182880" indent="0">
+              <a:buNone/>
+              <a:defRPr sz="480"/>
             </a:lvl3pPr>
-            <a:lvl4pPr marL="1371600" indent="0">
-              <a:buNone/>
-              <a:defRPr sz="2000"/>
+            <a:lvl4pPr marL="274320" indent="0">
+              <a:buNone/>
+              <a:defRPr sz="400"/>
             </a:lvl4pPr>
-            <a:lvl5pPr marL="1828800" indent="0">
-              <a:buNone/>
-              <a:defRPr sz="2000"/>
+            <a:lvl5pPr marL="365760" indent="0">
+              <a:buNone/>
+              <a:defRPr sz="400"/>
             </a:lvl5pPr>
-            <a:lvl6pPr marL="2286000" indent="0">
-              <a:buNone/>
-              <a:defRPr sz="2000"/>
+            <a:lvl6pPr marL="457200" indent="0">
+              <a:buNone/>
+              <a:defRPr sz="400"/>
             </a:lvl6pPr>
-            <a:lvl7pPr marL="2743200" indent="0">
-              <a:buNone/>
-              <a:defRPr sz="2000"/>
+            <a:lvl7pPr marL="548640" indent="0">
+              <a:buNone/>
+              <a:defRPr sz="400"/>
             </a:lvl7pPr>
-            <a:lvl8pPr marL="3200400" indent="0">
-              <a:buNone/>
-              <a:defRPr sz="2000"/>
+            <a:lvl8pPr marL="640080" indent="0">
+              <a:buNone/>
+              <a:defRPr sz="400"/>
             </a:lvl8pPr>
-            <a:lvl9pPr marL="3657600" indent="0">
-              <a:buNone/>
-              <a:defRPr sz="2000"/>
+            <a:lvl9pPr marL="731520" indent="0">
+              <a:buNone/>
+              <a:defRPr sz="400"/>
             </a:lvl9pPr>
           </a:lstStyle>
           <a:p>
-            <a:endParaRPr lang="en-US"/>
-          </a:p>
-        </p:txBody>
-      </p:sp>
-      <p:sp>
-        <p:nvSpPr>
-          <p:cNvPr id="4" name="Text Placeholder 3">
-            <a:extLst>
-              <a:ext uri="{FF2B5EF4-FFF2-40B4-BE49-F238E27FC236}">
-                <a16:creationId xmlns:a16="http://schemas.microsoft.com/office/drawing/2014/main" id="{0F00EFE1-3CBF-6F4F-4FBC-7D5A02209F3D}"/>
-              </a:ext>
-            </a:extLst>
-          </p:cNvPr>
+            <a:r>
+              <a:rPr lang="en-US"/>
+              <a:t>Click icon to add picture</a:t>
+            </a:r>
+            <a:endParaRPr lang="en-US" dirty="0"/>
+          </a:p>
+        </p:txBody>
+      </p:sp>
+      <p:sp>
+        <p:nvSpPr>
+          <p:cNvPr id="4" name="Text Placeholder 3"/>
           <p:cNvSpPr>
             <a:spLocks noGrp="1"/>
           </p:cNvSpPr>
@@ -2587,8 +2285,8 @@
         </p:nvSpPr>
         <p:spPr>
           <a:xfrm>
-            <a:off x="839788" y="2057400"/>
-            <a:ext cx="3932237" cy="3811588"/>
+            <a:off x="283429" y="411480"/>
+            <a:ext cx="1327130" cy="762318"/>
           </a:xfrm>
         </p:spPr>
         <p:txBody>
@@ -2596,39 +2294,39 @@
           <a:lstStyle>
             <a:lvl1pPr marL="0" indent="0">
               <a:buNone/>
-              <a:defRPr sz="1600"/>
+              <a:defRPr sz="320"/>
             </a:lvl1pPr>
-            <a:lvl2pPr marL="457200" indent="0">
-              <a:buNone/>
-              <a:defRPr sz="1400"/>
+            <a:lvl2pPr marL="91440" indent="0">
+              <a:buNone/>
+              <a:defRPr sz="280"/>
             </a:lvl2pPr>
-            <a:lvl3pPr marL="914400" indent="0">
-              <a:buNone/>
-              <a:defRPr sz="1200"/>
+            <a:lvl3pPr marL="182880" indent="0">
+              <a:buNone/>
+              <a:defRPr sz="240"/>
             </a:lvl3pPr>
-            <a:lvl4pPr marL="1371600" indent="0">
-              <a:buNone/>
-              <a:defRPr sz="1000"/>
+            <a:lvl4pPr marL="274320" indent="0">
+              <a:buNone/>
+              <a:defRPr sz="200"/>
             </a:lvl4pPr>
-            <a:lvl5pPr marL="1828800" indent="0">
-              <a:buNone/>
-              <a:defRPr sz="1000"/>
+            <a:lvl5pPr marL="365760" indent="0">
+              <a:buNone/>
+              <a:defRPr sz="200"/>
             </a:lvl5pPr>
-            <a:lvl6pPr marL="2286000" indent="0">
-              <a:buNone/>
-              <a:defRPr sz="1000"/>
+            <a:lvl6pPr marL="457200" indent="0">
+              <a:buNone/>
+              <a:defRPr sz="200"/>
             </a:lvl6pPr>
-            <a:lvl7pPr marL="2743200" indent="0">
-              <a:buNone/>
-              <a:defRPr sz="1000"/>
+            <a:lvl7pPr marL="548640" indent="0">
+              <a:buNone/>
+              <a:defRPr sz="200"/>
             </a:lvl7pPr>
-            <a:lvl8pPr marL="3200400" indent="0">
-              <a:buNone/>
-              <a:defRPr sz="1000"/>
+            <a:lvl8pPr marL="640080" indent="0">
+              <a:buNone/>
+              <a:defRPr sz="200"/>
             </a:lvl8pPr>
-            <a:lvl9pPr marL="3657600" indent="0">
-              <a:buNone/>
-              <a:defRPr sz="1000"/>
+            <a:lvl9pPr marL="731520" indent="0">
+              <a:buNone/>
+              <a:defRPr sz="200"/>
             </a:lvl9pPr>
           </a:lstStyle>
           <a:p>
@@ -2642,13 +2340,7 @@
       </p:sp>
       <p:sp>
         <p:nvSpPr>
-          <p:cNvPr id="5" name="Date Placeholder 4">
-            <a:extLst>
-              <a:ext uri="{FF2B5EF4-FFF2-40B4-BE49-F238E27FC236}">
-                <a16:creationId xmlns:a16="http://schemas.microsoft.com/office/drawing/2014/main" id="{52BD113B-411E-3159-7124-1175FB198CE7}"/>
-              </a:ext>
-            </a:extLst>
-          </p:cNvPr>
+          <p:cNvPr id="5" name="Date Placeholder 4"/>
           <p:cNvSpPr>
             <a:spLocks noGrp="1"/>
           </p:cNvSpPr>
@@ -2671,13 +2363,7 @@
       </p:sp>
       <p:sp>
         <p:nvSpPr>
-          <p:cNvPr id="6" name="Footer Placeholder 5">
-            <a:extLst>
-              <a:ext uri="{FF2B5EF4-FFF2-40B4-BE49-F238E27FC236}">
-                <a16:creationId xmlns:a16="http://schemas.microsoft.com/office/drawing/2014/main" id="{005DE2D8-0178-638A-E3E9-1E3F486A9097}"/>
-              </a:ext>
-            </a:extLst>
-          </p:cNvPr>
+          <p:cNvPr id="6" name="Footer Placeholder 5"/>
           <p:cNvSpPr>
             <a:spLocks noGrp="1"/>
           </p:cNvSpPr>
@@ -2696,13 +2382,7 @@
       </p:sp>
       <p:sp>
         <p:nvSpPr>
-          <p:cNvPr id="7" name="Slide Number Placeholder 6">
-            <a:extLst>
-              <a:ext uri="{FF2B5EF4-FFF2-40B4-BE49-F238E27FC236}">
-                <a16:creationId xmlns:a16="http://schemas.microsoft.com/office/drawing/2014/main" id="{D0FCB2B8-FA76-0DE9-C8FE-308F8C832C97}"/>
-              </a:ext>
-            </a:extLst>
-          </p:cNvPr>
+          <p:cNvPr id="7" name="Slide Number Placeholder 6"/>
           <p:cNvSpPr>
             <a:spLocks noGrp="1"/>
           </p:cNvSpPr>
@@ -2726,7 +2406,7 @@
     </p:spTree>
     <p:extLst>
       <p:ext uri="{BB962C8B-B14F-4D97-AF65-F5344CB8AC3E}">
-        <p14:creationId xmlns:p14="http://schemas.microsoft.com/office/powerpoint/2010/main" val="1299664169"/>
+        <p14:creationId xmlns:p14="http://schemas.microsoft.com/office/powerpoint/2010/main" val="3308474210"/>
       </p:ext>
     </p:extLst>
   </p:cSld>
@@ -2760,13 +2440,7 @@
       </p:grpSpPr>
       <p:sp>
         <p:nvSpPr>
-          <p:cNvPr id="2" name="Title Placeholder 1">
-            <a:extLst>
-              <a:ext uri="{FF2B5EF4-FFF2-40B4-BE49-F238E27FC236}">
-                <a16:creationId xmlns:a16="http://schemas.microsoft.com/office/drawing/2014/main" id="{755DEB9D-3BC3-8C60-13CB-7F7EEBAA8FEF}"/>
-              </a:ext>
-            </a:extLst>
-          </p:cNvPr>
+          <p:cNvPr id="2" name="Title Placeholder 1"/>
           <p:cNvSpPr>
             <a:spLocks noGrp="1"/>
           </p:cNvSpPr>
@@ -2776,8 +2450,8 @@
         </p:nvSpPr>
         <p:spPr>
           <a:xfrm>
-            <a:off x="838200" y="365125"/>
-            <a:ext cx="10515600" cy="1325563"/>
+            <a:off x="282893" y="73025"/>
+            <a:ext cx="3549015" cy="265113"/>
           </a:xfrm>
           <a:prstGeom prst="rect">
             <a:avLst/>
@@ -2793,18 +2467,13 @@
               <a:rPr lang="en-US"/>
               <a:t>Click to edit Master title style</a:t>
             </a:r>
-          </a:p>
-        </p:txBody>
-      </p:sp>
-      <p:sp>
-        <p:nvSpPr>
-          <p:cNvPr id="3" name="Text Placeholder 2">
-            <a:extLst>
-              <a:ext uri="{FF2B5EF4-FFF2-40B4-BE49-F238E27FC236}">
-                <a16:creationId xmlns:a16="http://schemas.microsoft.com/office/drawing/2014/main" id="{47FDAB19-9074-30CD-BC50-F4547C1D9CA0}"/>
-              </a:ext>
-            </a:extLst>
-          </p:cNvPr>
+            <a:endParaRPr lang="en-US" dirty="0"/>
+          </a:p>
+        </p:txBody>
+      </p:sp>
+      <p:sp>
+        <p:nvSpPr>
+          <p:cNvPr id="3" name="Text Placeholder 2"/>
           <p:cNvSpPr>
             <a:spLocks noGrp="1"/>
           </p:cNvSpPr>
@@ -2814,8 +2483,8 @@
         </p:nvSpPr>
         <p:spPr>
           <a:xfrm>
-            <a:off x="838200" y="1825625"/>
-            <a:ext cx="10515600" cy="4351338"/>
+            <a:off x="282893" y="365125"/>
+            <a:ext cx="3549015" cy="870268"/>
           </a:xfrm>
           <a:prstGeom prst="rect">
             <a:avLst/>
@@ -2860,18 +2529,13 @@
               <a:rPr lang="en-US"/>
               <a:t>Fifth level</a:t>
             </a:r>
-          </a:p>
-        </p:txBody>
-      </p:sp>
-      <p:sp>
-        <p:nvSpPr>
-          <p:cNvPr id="4" name="Date Placeholder 3">
-            <a:extLst>
-              <a:ext uri="{FF2B5EF4-FFF2-40B4-BE49-F238E27FC236}">
-                <a16:creationId xmlns:a16="http://schemas.microsoft.com/office/drawing/2014/main" id="{49A74C5E-2913-444F-CC2B-960D9293AA26}"/>
-              </a:ext>
-            </a:extLst>
-          </p:cNvPr>
+            <a:endParaRPr lang="en-US" dirty="0"/>
+          </a:p>
+        </p:txBody>
+      </p:sp>
+      <p:sp>
+        <p:nvSpPr>
+          <p:cNvPr id="4" name="Date Placeholder 3"/>
           <p:cNvSpPr>
             <a:spLocks noGrp="1"/>
           </p:cNvSpPr>
@@ -2881,8 +2545,8 @@
         </p:nvSpPr>
         <p:spPr>
           <a:xfrm>
-            <a:off x="838200" y="6356350"/>
-            <a:ext cx="2743200" cy="365125"/>
+            <a:off x="282893" y="1271270"/>
+            <a:ext cx="925830" cy="73025"/>
           </a:xfrm>
           <a:prstGeom prst="rect">
             <a:avLst/>
@@ -2892,7 +2556,7 @@
           <a:bodyPr vert="horz" lIns="91440" tIns="45720" rIns="91440" bIns="45720" rtlCol="0" anchor="ctr"/>
           <a:lstStyle>
             <a:lvl1pPr algn="l">
-              <a:defRPr sz="1200">
+              <a:defRPr sz="240">
                 <a:solidFill>
                   <a:schemeClr val="tx1">
                     <a:tint val="75000"/>
@@ -2912,13 +2576,7 @@
       </p:sp>
       <p:sp>
         <p:nvSpPr>
-          <p:cNvPr id="5" name="Footer Placeholder 4">
-            <a:extLst>
-              <a:ext uri="{FF2B5EF4-FFF2-40B4-BE49-F238E27FC236}">
-                <a16:creationId xmlns:a16="http://schemas.microsoft.com/office/drawing/2014/main" id="{5A038D72-E65C-6CBA-55C0-95115AEA5CCC}"/>
-              </a:ext>
-            </a:extLst>
-          </p:cNvPr>
+          <p:cNvPr id="5" name="Footer Placeholder 4"/>
           <p:cNvSpPr>
             <a:spLocks noGrp="1"/>
           </p:cNvSpPr>
@@ -2928,8 +2586,8 @@
         </p:nvSpPr>
         <p:spPr>
           <a:xfrm>
-            <a:off x="4038600" y="6356350"/>
-            <a:ext cx="4114800" cy="365125"/>
+            <a:off x="1363028" y="1271270"/>
+            <a:ext cx="1388745" cy="73025"/>
           </a:xfrm>
           <a:prstGeom prst="rect">
             <a:avLst/>
@@ -2939,7 +2597,7 @@
           <a:bodyPr vert="horz" lIns="91440" tIns="45720" rIns="91440" bIns="45720" rtlCol="0" anchor="ctr"/>
           <a:lstStyle>
             <a:lvl1pPr algn="ctr">
-              <a:defRPr sz="1200">
+              <a:defRPr sz="240">
                 <a:solidFill>
                   <a:schemeClr val="tx1">
                     <a:tint val="75000"/>
@@ -2955,13 +2613,7 @@
       </p:sp>
       <p:sp>
         <p:nvSpPr>
-          <p:cNvPr id="6" name="Slide Number Placeholder 5">
-            <a:extLst>
-              <a:ext uri="{FF2B5EF4-FFF2-40B4-BE49-F238E27FC236}">
-                <a16:creationId xmlns:a16="http://schemas.microsoft.com/office/drawing/2014/main" id="{C529998C-4A09-6003-DE7F-4925675652AB}"/>
-              </a:ext>
-            </a:extLst>
-          </p:cNvPr>
+          <p:cNvPr id="6" name="Slide Number Placeholder 5"/>
           <p:cNvSpPr>
             <a:spLocks noGrp="1"/>
           </p:cNvSpPr>
@@ -2971,8 +2623,8 @@
         </p:nvSpPr>
         <p:spPr>
           <a:xfrm>
-            <a:off x="8610600" y="6356350"/>
-            <a:ext cx="2743200" cy="365125"/>
+            <a:off x="2906078" y="1271270"/>
+            <a:ext cx="925830" cy="73025"/>
           </a:xfrm>
           <a:prstGeom prst="rect">
             <a:avLst/>
@@ -2982,7 +2634,7 @@
           <a:bodyPr vert="horz" lIns="91440" tIns="45720" rIns="91440" bIns="45720" rtlCol="0" anchor="ctr"/>
           <a:lstStyle>
             <a:lvl1pPr algn="r">
-              <a:defRPr sz="1200">
+              <a:defRPr sz="240">
                 <a:solidFill>
                   <a:schemeClr val="tx1">
                     <a:tint val="75000"/>
@@ -3003,27 +2655,27 @@
     </p:spTree>
     <p:extLst>
       <p:ext uri="{BB962C8B-B14F-4D97-AF65-F5344CB8AC3E}">
-        <p14:creationId xmlns:p14="http://schemas.microsoft.com/office/powerpoint/2010/main" val="2010948437"/>
+        <p14:creationId xmlns:p14="http://schemas.microsoft.com/office/powerpoint/2010/main" val="3577302798"/>
       </p:ext>
     </p:extLst>
   </p:cSld>
   <p:clrMap bg1="lt1" tx1="dk1" bg2="lt2" tx2="dk2" accent1="accent1" accent2="accent2" accent3="accent3" accent4="accent4" accent5="accent5" accent6="accent6" hlink="hlink" folHlink="folHlink"/>
   <p:sldLayoutIdLst>
-    <p:sldLayoutId id="2147483649" r:id="rId1"/>
-    <p:sldLayoutId id="2147483650" r:id="rId2"/>
-    <p:sldLayoutId id="2147483651" r:id="rId3"/>
-    <p:sldLayoutId id="2147483652" r:id="rId4"/>
-    <p:sldLayoutId id="2147483653" r:id="rId5"/>
-    <p:sldLayoutId id="2147483654" r:id="rId6"/>
-    <p:sldLayoutId id="2147483655" r:id="rId7"/>
-    <p:sldLayoutId id="2147483656" r:id="rId8"/>
-    <p:sldLayoutId id="2147483657" r:id="rId9"/>
-    <p:sldLayoutId id="2147483658" r:id="rId10"/>
-    <p:sldLayoutId id="2147483659" r:id="rId11"/>
+    <p:sldLayoutId id="2147483709" r:id="rId1"/>
+    <p:sldLayoutId id="2147483710" r:id="rId2"/>
+    <p:sldLayoutId id="2147483711" r:id="rId3"/>
+    <p:sldLayoutId id="2147483712" r:id="rId4"/>
+    <p:sldLayoutId id="2147483713" r:id="rId5"/>
+    <p:sldLayoutId id="2147483714" r:id="rId6"/>
+    <p:sldLayoutId id="2147483715" r:id="rId7"/>
+    <p:sldLayoutId id="2147483716" r:id="rId8"/>
+    <p:sldLayoutId id="2147483717" r:id="rId9"/>
+    <p:sldLayoutId id="2147483718" r:id="rId10"/>
+    <p:sldLayoutId id="2147483719" r:id="rId11"/>
   </p:sldLayoutIdLst>
   <p:txStyles>
     <p:titleStyle>
-      <a:lvl1pPr algn="l" defTabSz="914400" rtl="0" eaLnBrk="1" latinLnBrk="0" hangingPunct="1">
+      <a:lvl1pPr algn="l" defTabSz="182880" rtl="0" eaLnBrk="1" latinLnBrk="0" hangingPunct="1">
         <a:lnSpc>
           <a:spcPct val="90000"/>
         </a:lnSpc>
@@ -3031,7 +2683,7 @@
           <a:spcPct val="0"/>
         </a:spcBef>
         <a:buNone/>
-        <a:defRPr sz="4400" kern="1200">
+        <a:defRPr sz="880" kern="1200">
           <a:solidFill>
             <a:schemeClr val="tx1"/>
           </a:solidFill>
@@ -3042,16 +2694,16 @@
       </a:lvl1pPr>
     </p:titleStyle>
     <p:bodyStyle>
-      <a:lvl1pPr marL="228600" indent="-228600" algn="l" defTabSz="914400" rtl="0" eaLnBrk="1" latinLnBrk="0" hangingPunct="1">
+      <a:lvl1pPr marL="45720" indent="-45720" algn="l" defTabSz="182880" rtl="0" eaLnBrk="1" latinLnBrk="0" hangingPunct="1">
         <a:lnSpc>
           <a:spcPct val="90000"/>
         </a:lnSpc>
         <a:spcBef>
-          <a:spcPts val="1000"/>
+          <a:spcPts val="200"/>
         </a:spcBef>
         <a:buFont typeface="Arial" panose="020B0604020202020204" pitchFamily="34" charset="0"/>
         <a:buChar char="•"/>
-        <a:defRPr sz="2800" kern="1200">
+        <a:defRPr sz="560" kern="1200">
           <a:solidFill>
             <a:schemeClr val="tx1"/>
           </a:solidFill>
@@ -3060,16 +2712,16 @@
           <a:cs typeface="+mn-cs"/>
         </a:defRPr>
       </a:lvl1pPr>
-      <a:lvl2pPr marL="685800" indent="-228600" algn="l" defTabSz="914400" rtl="0" eaLnBrk="1" latinLnBrk="0" hangingPunct="1">
+      <a:lvl2pPr marL="137160" indent="-45720" algn="l" defTabSz="182880" rtl="0" eaLnBrk="1" latinLnBrk="0" hangingPunct="1">
         <a:lnSpc>
           <a:spcPct val="90000"/>
         </a:lnSpc>
         <a:spcBef>
-          <a:spcPts val="500"/>
+          <a:spcPts val="100"/>
         </a:spcBef>
         <a:buFont typeface="Arial" panose="020B0604020202020204" pitchFamily="34" charset="0"/>
         <a:buChar char="•"/>
-        <a:defRPr sz="2400" kern="1200">
+        <a:defRPr sz="480" kern="1200">
           <a:solidFill>
             <a:schemeClr val="tx1"/>
           </a:solidFill>
@@ -3078,16 +2730,16 @@
           <a:cs typeface="+mn-cs"/>
         </a:defRPr>
       </a:lvl2pPr>
-      <a:lvl3pPr marL="1143000" indent="-228600" algn="l" defTabSz="914400" rtl="0" eaLnBrk="1" latinLnBrk="0" hangingPunct="1">
+      <a:lvl3pPr marL="228600" indent="-45720" algn="l" defTabSz="182880" rtl="0" eaLnBrk="1" latinLnBrk="0" hangingPunct="1">
         <a:lnSpc>
           <a:spcPct val="90000"/>
         </a:lnSpc>
         <a:spcBef>
-          <a:spcPts val="500"/>
+          <a:spcPts val="100"/>
         </a:spcBef>
         <a:buFont typeface="Arial" panose="020B0604020202020204" pitchFamily="34" charset="0"/>
         <a:buChar char="•"/>
-        <a:defRPr sz="2000" kern="1200">
+        <a:defRPr sz="400" kern="1200">
           <a:solidFill>
             <a:schemeClr val="tx1"/>
           </a:solidFill>
@@ -3096,16 +2748,16 @@
           <a:cs typeface="+mn-cs"/>
         </a:defRPr>
       </a:lvl3pPr>
-      <a:lvl4pPr marL="1600200" indent="-228600" algn="l" defTabSz="914400" rtl="0" eaLnBrk="1" latinLnBrk="0" hangingPunct="1">
+      <a:lvl4pPr marL="320040" indent="-45720" algn="l" defTabSz="182880" rtl="0" eaLnBrk="1" latinLnBrk="0" hangingPunct="1">
         <a:lnSpc>
           <a:spcPct val="90000"/>
         </a:lnSpc>
         <a:spcBef>
-          <a:spcPts val="500"/>
+          <a:spcPts val="100"/>
         </a:spcBef>
         <a:buFont typeface="Arial" panose="020B0604020202020204" pitchFamily="34" charset="0"/>
         <a:buChar char="•"/>
-        <a:defRPr sz="1800" kern="1200">
+        <a:defRPr sz="360" kern="1200">
           <a:solidFill>
             <a:schemeClr val="tx1"/>
           </a:solidFill>
@@ -3114,16 +2766,16 @@
           <a:cs typeface="+mn-cs"/>
         </a:defRPr>
       </a:lvl4pPr>
-      <a:lvl5pPr marL="2057400" indent="-228600" algn="l" defTabSz="914400" rtl="0" eaLnBrk="1" latinLnBrk="0" hangingPunct="1">
+      <a:lvl5pPr marL="411480" indent="-45720" algn="l" defTabSz="182880" rtl="0" eaLnBrk="1" latinLnBrk="0" hangingPunct="1">
         <a:lnSpc>
           <a:spcPct val="90000"/>
         </a:lnSpc>
         <a:spcBef>
-          <a:spcPts val="500"/>
+          <a:spcPts val="100"/>
         </a:spcBef>
         <a:buFont typeface="Arial" panose="020B0604020202020204" pitchFamily="34" charset="0"/>
         <a:buChar char="•"/>
-        <a:defRPr sz="1800" kern="1200">
+        <a:defRPr sz="360" kern="1200">
           <a:solidFill>
             <a:schemeClr val="tx1"/>
           </a:solidFill>
@@ -3132,16 +2784,16 @@
           <a:cs typeface="+mn-cs"/>
         </a:defRPr>
       </a:lvl5pPr>
-      <a:lvl6pPr marL="2514600" indent="-228600" algn="l" defTabSz="914400" rtl="0" eaLnBrk="1" latinLnBrk="0" hangingPunct="1">
+      <a:lvl6pPr marL="502920" indent="-45720" algn="l" defTabSz="182880" rtl="0" eaLnBrk="1" latinLnBrk="0" hangingPunct="1">
         <a:lnSpc>
           <a:spcPct val="90000"/>
         </a:lnSpc>
         <a:spcBef>
-          <a:spcPts val="500"/>
+          <a:spcPts val="100"/>
         </a:spcBef>
         <a:buFont typeface="Arial" panose="020B0604020202020204" pitchFamily="34" charset="0"/>
         <a:buChar char="•"/>
-        <a:defRPr sz="1800" kern="1200">
+        <a:defRPr sz="360" kern="1200">
           <a:solidFill>
             <a:schemeClr val="tx1"/>
           </a:solidFill>
@@ -3150,16 +2802,16 @@
           <a:cs typeface="+mn-cs"/>
         </a:defRPr>
       </a:lvl6pPr>
-      <a:lvl7pPr marL="2971800" indent="-228600" algn="l" defTabSz="914400" rtl="0" eaLnBrk="1" latinLnBrk="0" hangingPunct="1">
+      <a:lvl7pPr marL="594360" indent="-45720" algn="l" defTabSz="182880" rtl="0" eaLnBrk="1" latinLnBrk="0" hangingPunct="1">
         <a:lnSpc>
           <a:spcPct val="90000"/>
         </a:lnSpc>
         <a:spcBef>
-          <a:spcPts val="500"/>
+          <a:spcPts val="100"/>
         </a:spcBef>
         <a:buFont typeface="Arial" panose="020B0604020202020204" pitchFamily="34" charset="0"/>
         <a:buChar char="•"/>
-        <a:defRPr sz="1800" kern="1200">
+        <a:defRPr sz="360" kern="1200">
           <a:solidFill>
             <a:schemeClr val="tx1"/>
           </a:solidFill>
@@ -3168,16 +2820,16 @@
           <a:cs typeface="+mn-cs"/>
         </a:defRPr>
       </a:lvl7pPr>
-      <a:lvl8pPr marL="3429000" indent="-228600" algn="l" defTabSz="914400" rtl="0" eaLnBrk="1" latinLnBrk="0" hangingPunct="1">
+      <a:lvl8pPr marL="685800" indent="-45720" algn="l" defTabSz="182880" rtl="0" eaLnBrk="1" latinLnBrk="0" hangingPunct="1">
         <a:lnSpc>
           <a:spcPct val="90000"/>
         </a:lnSpc>
         <a:spcBef>
-          <a:spcPts val="500"/>
+          <a:spcPts val="100"/>
         </a:spcBef>
         <a:buFont typeface="Arial" panose="020B0604020202020204" pitchFamily="34" charset="0"/>
         <a:buChar char="•"/>
-        <a:defRPr sz="1800" kern="1200">
+        <a:defRPr sz="360" kern="1200">
           <a:solidFill>
             <a:schemeClr val="tx1"/>
           </a:solidFill>
@@ -3186,16 +2838,16 @@
           <a:cs typeface="+mn-cs"/>
         </a:defRPr>
       </a:lvl8pPr>
-      <a:lvl9pPr marL="3886200" indent="-228600" algn="l" defTabSz="914400" rtl="0" eaLnBrk="1" latinLnBrk="0" hangingPunct="1">
+      <a:lvl9pPr marL="777240" indent="-45720" algn="l" defTabSz="182880" rtl="0" eaLnBrk="1" latinLnBrk="0" hangingPunct="1">
         <a:lnSpc>
           <a:spcPct val="90000"/>
         </a:lnSpc>
         <a:spcBef>
-          <a:spcPts val="500"/>
+          <a:spcPts val="100"/>
         </a:spcBef>
         <a:buFont typeface="Arial" panose="020B0604020202020204" pitchFamily="34" charset="0"/>
         <a:buChar char="•"/>
-        <a:defRPr sz="1800" kern="1200">
+        <a:defRPr sz="360" kern="1200">
           <a:solidFill>
             <a:schemeClr val="tx1"/>
           </a:solidFill>
@@ -3209,8 +2861,8 @@
       <a:defPPr>
         <a:defRPr lang="en-US"/>
       </a:defPPr>
-      <a:lvl1pPr marL="0" algn="l" defTabSz="914400" rtl="0" eaLnBrk="1" latinLnBrk="0" hangingPunct="1">
-        <a:defRPr sz="1800" kern="1200">
+      <a:lvl1pPr marL="0" algn="l" defTabSz="182880" rtl="0" eaLnBrk="1" latinLnBrk="0" hangingPunct="1">
+        <a:defRPr sz="360" kern="1200">
           <a:solidFill>
             <a:schemeClr val="tx1"/>
           </a:solidFill>
@@ -3219,8 +2871,8 @@
           <a:cs typeface="+mn-cs"/>
         </a:defRPr>
       </a:lvl1pPr>
-      <a:lvl2pPr marL="457200" algn="l" defTabSz="914400" rtl="0" eaLnBrk="1" latinLnBrk="0" hangingPunct="1">
-        <a:defRPr sz="1800" kern="1200">
+      <a:lvl2pPr marL="91440" algn="l" defTabSz="182880" rtl="0" eaLnBrk="1" latinLnBrk="0" hangingPunct="1">
+        <a:defRPr sz="360" kern="1200">
           <a:solidFill>
             <a:schemeClr val="tx1"/>
           </a:solidFill>
@@ -3229,8 +2881,8 @@
           <a:cs typeface="+mn-cs"/>
         </a:defRPr>
       </a:lvl2pPr>
-      <a:lvl3pPr marL="914400" algn="l" defTabSz="914400" rtl="0" eaLnBrk="1" latinLnBrk="0" hangingPunct="1">
-        <a:defRPr sz="1800" kern="1200">
+      <a:lvl3pPr marL="182880" algn="l" defTabSz="182880" rtl="0" eaLnBrk="1" latinLnBrk="0" hangingPunct="1">
+        <a:defRPr sz="360" kern="1200">
           <a:solidFill>
             <a:schemeClr val="tx1"/>
           </a:solidFill>
@@ -3239,8 +2891,8 @@
           <a:cs typeface="+mn-cs"/>
         </a:defRPr>
       </a:lvl3pPr>
-      <a:lvl4pPr marL="1371600" algn="l" defTabSz="914400" rtl="0" eaLnBrk="1" latinLnBrk="0" hangingPunct="1">
-        <a:defRPr sz="1800" kern="1200">
+      <a:lvl4pPr marL="274320" algn="l" defTabSz="182880" rtl="0" eaLnBrk="1" latinLnBrk="0" hangingPunct="1">
+        <a:defRPr sz="360" kern="1200">
           <a:solidFill>
             <a:schemeClr val="tx1"/>
           </a:solidFill>
@@ -3249,8 +2901,8 @@
           <a:cs typeface="+mn-cs"/>
         </a:defRPr>
       </a:lvl4pPr>
-      <a:lvl5pPr marL="1828800" algn="l" defTabSz="914400" rtl="0" eaLnBrk="1" latinLnBrk="0" hangingPunct="1">
-        <a:defRPr sz="1800" kern="1200">
+      <a:lvl5pPr marL="365760" algn="l" defTabSz="182880" rtl="0" eaLnBrk="1" latinLnBrk="0" hangingPunct="1">
+        <a:defRPr sz="360" kern="1200">
           <a:solidFill>
             <a:schemeClr val="tx1"/>
           </a:solidFill>
@@ -3259,8 +2911,8 @@
           <a:cs typeface="+mn-cs"/>
         </a:defRPr>
       </a:lvl5pPr>
-      <a:lvl6pPr marL="2286000" algn="l" defTabSz="914400" rtl="0" eaLnBrk="1" latinLnBrk="0" hangingPunct="1">
-        <a:defRPr sz="1800" kern="1200">
+      <a:lvl6pPr marL="457200" algn="l" defTabSz="182880" rtl="0" eaLnBrk="1" latinLnBrk="0" hangingPunct="1">
+        <a:defRPr sz="360" kern="1200">
           <a:solidFill>
             <a:schemeClr val="tx1"/>
           </a:solidFill>
@@ -3269,8 +2921,8 @@
           <a:cs typeface="+mn-cs"/>
         </a:defRPr>
       </a:lvl6pPr>
-      <a:lvl7pPr marL="2743200" algn="l" defTabSz="914400" rtl="0" eaLnBrk="1" latinLnBrk="0" hangingPunct="1">
-        <a:defRPr sz="1800" kern="1200">
+      <a:lvl7pPr marL="548640" algn="l" defTabSz="182880" rtl="0" eaLnBrk="1" latinLnBrk="0" hangingPunct="1">
+        <a:defRPr sz="360" kern="1200">
           <a:solidFill>
             <a:schemeClr val="tx1"/>
           </a:solidFill>
@@ -3279,8 +2931,8 @@
           <a:cs typeface="+mn-cs"/>
         </a:defRPr>
       </a:lvl7pPr>
-      <a:lvl8pPr marL="3200400" algn="l" defTabSz="914400" rtl="0" eaLnBrk="1" latinLnBrk="0" hangingPunct="1">
-        <a:defRPr sz="1800" kern="1200">
+      <a:lvl8pPr marL="640080" algn="l" defTabSz="182880" rtl="0" eaLnBrk="1" latinLnBrk="0" hangingPunct="1">
+        <a:defRPr sz="360" kern="1200">
           <a:solidFill>
             <a:schemeClr val="tx1"/>
           </a:solidFill>
@@ -3289,8 +2941,8 @@
           <a:cs typeface="+mn-cs"/>
         </a:defRPr>
       </a:lvl8pPr>
-      <a:lvl9pPr marL="3657600" algn="l" defTabSz="914400" rtl="0" eaLnBrk="1" latinLnBrk="0" hangingPunct="1">
-        <a:defRPr sz="1800" kern="1200">
+      <a:lvl9pPr marL="731520" algn="l" defTabSz="182880" rtl="0" eaLnBrk="1" latinLnBrk="0" hangingPunct="1">
+        <a:defRPr sz="360" kern="1200">
           <a:solidFill>
             <a:schemeClr val="tx1"/>
           </a:solidFill>
@@ -3335,7 +2987,7 @@
         </p:nvSpPr>
         <p:spPr>
           <a:xfrm>
-            <a:off x="521111" y="629265"/>
+            <a:off x="67721" y="184261"/>
             <a:ext cx="416150" cy="373625"/>
           </a:xfrm>
           <a:prstGeom prst="rect">
@@ -3364,10 +3016,16 @@
           <a:p>
             <a:pPr algn="ctr"/>
             <a:r>
-              <a:rPr lang="zh-TW" altLang="en-US" dirty="0"/>
+              <a:rPr lang="zh-TW" altLang="en-US" dirty="0">
+                <a:latin typeface="DFKai-SB" panose="03000509000000000000" pitchFamily="65" charset="-120"/>
+                <a:ea typeface="DFKai-SB" panose="03000509000000000000" pitchFamily="65" charset="-120"/>
+              </a:rPr>
               <a:t>楚</a:t>
             </a:r>
-            <a:endParaRPr lang="en-US" dirty="0"/>
+            <a:endParaRPr lang="en-US" dirty="0">
+              <a:latin typeface="DFKai-SB" panose="03000509000000000000" pitchFamily="65" charset="-120"/>
+              <a:ea typeface="DFKai-SB" panose="03000509000000000000" pitchFamily="65" charset="-120"/>
+            </a:endParaRPr>
           </a:p>
         </p:txBody>
       </p:sp>
@@ -3385,7 +3043,7 @@
         </p:nvSpPr>
         <p:spPr>
           <a:xfrm>
-            <a:off x="961166" y="629264"/>
+            <a:off x="507777" y="184262"/>
             <a:ext cx="416150" cy="373625"/>
           </a:xfrm>
           <a:prstGeom prst="rect">
@@ -3414,10 +3072,16 @@
           <a:p>
             <a:pPr algn="ctr"/>
             <a:r>
-              <a:rPr lang="zh-TW" altLang="en-US" dirty="0"/>
+              <a:rPr lang="zh-TW" altLang="en-US" dirty="0">
+                <a:latin typeface="DFKai-SB" panose="03000509000000000000" pitchFamily="65" charset="-120"/>
+                <a:ea typeface="DFKai-SB" panose="03000509000000000000" pitchFamily="65" charset="-120"/>
+              </a:rPr>
               <a:t>有</a:t>
             </a:r>
-            <a:endParaRPr lang="en-US" dirty="0"/>
+            <a:endParaRPr lang="en-US" dirty="0">
+              <a:latin typeface="DFKai-SB" panose="03000509000000000000" pitchFamily="65" charset="-120"/>
+              <a:ea typeface="DFKai-SB" panose="03000509000000000000" pitchFamily="65" charset="-120"/>
+            </a:endParaRPr>
           </a:p>
         </p:txBody>
       </p:sp>
@@ -3435,7 +3099,7 @@
         </p:nvSpPr>
         <p:spPr>
           <a:xfrm>
-            <a:off x="1401221" y="629264"/>
+            <a:off x="947832" y="184262"/>
             <a:ext cx="416150" cy="373625"/>
           </a:xfrm>
           <a:prstGeom prst="rect">
@@ -3464,16 +3128,12 @@
           <a:p>
             <a:pPr algn="ctr"/>
             <a:r>
-              <a:rPr lang="zh-TW" altLang="en-US" b="0" i="0" dirty="0">
-                <a:effectLst/>
-                <a:latin typeface="PingFang TC"/>
+              <a:rPr lang="zh-TW" altLang="en-US" dirty="0">
+                <a:latin typeface="DFKai-SB" panose="03000509000000000000" pitchFamily="65" charset="-120"/>
+                <a:ea typeface="DFKai-SB" panose="03000509000000000000" pitchFamily="65" charset="-120"/>
               </a:rPr>
               <a:t>祠</a:t>
             </a:r>
-            <a:endParaRPr lang="zh-TW" altLang="en-US" b="0" i="0" dirty="0">
-              <a:effectLst/>
-              <a:latin typeface="Linux Libertine"/>
-            </a:endParaRPr>
           </a:p>
         </p:txBody>
       </p:sp>
@@ -3491,7 +3151,7 @@
         </p:nvSpPr>
         <p:spPr>
           <a:xfrm>
-            <a:off x="1841276" y="629263"/>
+            <a:off x="1387887" y="184261"/>
             <a:ext cx="416150" cy="373625"/>
           </a:xfrm>
           <a:prstGeom prst="rect">
@@ -3521,14 +3181,11 @@
             <a:pPr algn="ctr"/>
             <a:r>
               <a:rPr lang="zh-TW" altLang="en-US" dirty="0">
-                <a:latin typeface="PingFang TC"/>
+                <a:latin typeface="DFKai-SB" panose="03000509000000000000" pitchFamily="65" charset="-120"/>
+                <a:ea typeface="DFKai-SB" panose="03000509000000000000" pitchFamily="65" charset="-120"/>
               </a:rPr>
               <a:t>者</a:t>
             </a:r>
-            <a:endParaRPr lang="zh-TW" altLang="en-US" b="0" i="0" dirty="0">
-              <a:effectLst/>
-              <a:latin typeface="Linux Libertine"/>
-            </a:endParaRPr>
           </a:p>
         </p:txBody>
       </p:sp>
@@ -3546,7 +3203,7 @@
         </p:nvSpPr>
         <p:spPr>
           <a:xfrm>
-            <a:off x="521110" y="1229340"/>
+            <a:off x="67726" y="784338"/>
             <a:ext cx="648559" cy="373625"/>
           </a:xfrm>
           <a:prstGeom prst="rect">
@@ -3616,8 +3273,8 @@
         </p:nvCxnSpPr>
         <p:spPr>
           <a:xfrm>
-            <a:off x="729186" y="1002890"/>
-            <a:ext cx="116204" cy="226450"/>
+            <a:off x="275800" y="557880"/>
+            <a:ext cx="116205" cy="226452"/>
           </a:xfrm>
           <a:prstGeom prst="straightConnector1">
             <a:avLst/>
@@ -3655,7 +3312,7 @@
         </p:nvSpPr>
         <p:spPr>
           <a:xfrm>
-            <a:off x="1192717" y="1229340"/>
+            <a:off x="739333" y="784338"/>
             <a:ext cx="270323" cy="373625"/>
           </a:xfrm>
           <a:prstGeom prst="rect">
@@ -3721,7 +3378,7 @@
         </p:nvSpPr>
         <p:spPr>
           <a:xfrm>
-            <a:off x="1486088" y="1229340"/>
+            <a:off x="1032704" y="784338"/>
             <a:ext cx="270323" cy="373625"/>
           </a:xfrm>
           <a:prstGeom prst="rect">
@@ -3758,20 +3415,18 @@
           <a:p>
             <a:pPr algn="ctr"/>
             <a:r>
-              <a:rPr lang="zh-TW" altLang="en-US" b="0" i="0" dirty="0">
+              <a:rPr lang="zh-TW" altLang="en-US" dirty="0">
                 <a:solidFill>
                   <a:srgbClr val="00B050"/>
                 </a:solidFill>
-                <a:effectLst/>
                 <a:latin typeface="PingFang TC"/>
               </a:rPr>
               <a:t>祠</a:t>
             </a:r>
-            <a:endParaRPr lang="zh-TW" altLang="en-US" b="0" i="0" dirty="0">
+            <a:endParaRPr lang="zh-TW" altLang="en-US" dirty="0">
               <a:solidFill>
                 <a:srgbClr val="00B050"/>
               </a:solidFill>
-              <a:effectLst/>
               <a:latin typeface="Linux Libertine"/>
             </a:endParaRPr>
           </a:p>
@@ -3791,7 +3446,7 @@
         </p:nvSpPr>
         <p:spPr>
           <a:xfrm>
-            <a:off x="1784315" y="1229339"/>
+            <a:off x="1330926" y="784337"/>
             <a:ext cx="265036" cy="373625"/>
           </a:xfrm>
           <a:prstGeom prst="rect">
@@ -3828,20 +3483,18 @@
           <a:p>
             <a:pPr algn="ctr"/>
             <a:r>
-              <a:rPr lang="zh-TW" altLang="en-US" b="0" i="0" dirty="0">
+              <a:rPr lang="zh-TW" altLang="en-US" dirty="0">
                 <a:solidFill>
                   <a:srgbClr val="00B050"/>
                 </a:solidFill>
-                <a:effectLst/>
                 <a:latin typeface="PingFang TC"/>
               </a:rPr>
               <a:t>管</a:t>
             </a:r>
-            <a:endParaRPr lang="zh-TW" altLang="en-US" b="0" i="0" dirty="0">
+            <a:endParaRPr lang="zh-TW" altLang="en-US" dirty="0">
               <a:solidFill>
                 <a:srgbClr val="00B050"/>
               </a:solidFill>
-              <a:effectLst/>
               <a:latin typeface="Linux Libertine"/>
             </a:endParaRPr>
           </a:p>
@@ -3864,7 +3517,7 @@
         </p:nvCxnSpPr>
         <p:spPr>
           <a:xfrm>
-            <a:off x="1169241" y="1002889"/>
+            <a:off x="715852" y="557887"/>
             <a:ext cx="158638" cy="226451"/>
           </a:xfrm>
           <a:prstGeom prst="straightConnector1">
@@ -3906,7 +3559,7 @@
         </p:nvCxnSpPr>
         <p:spPr>
           <a:xfrm>
-            <a:off x="1609296" y="1002889"/>
+            <a:off x="1155907" y="557887"/>
             <a:ext cx="11954" cy="226451"/>
           </a:xfrm>
           <a:prstGeom prst="straightConnector1">
@@ -3949,7 +3602,7 @@
         </p:nvCxnSpPr>
         <p:spPr>
           <a:xfrm flipH="1">
-            <a:off x="1916833" y="1002888"/>
+            <a:off x="1463444" y="557886"/>
             <a:ext cx="132518" cy="226451"/>
           </a:xfrm>
           <a:prstGeom prst="straightConnector1">
@@ -3990,7 +3643,7 @@
 <file path=ppt/theme/theme1.xml><?xml version="1.0" encoding="utf-8"?>
 <a:theme xmlns:a="http://schemas.openxmlformats.org/drawingml/2006/main" name="Office Theme">
   <a:themeElements>
-    <a:clrScheme name="Office">
+    <a:clrScheme name="Office Theme">
       <a:dk1>
         <a:sysClr val="windowText" lastClr="000000"/>
       </a:dk1>
@@ -4028,7 +3681,7 @@
         <a:srgbClr val="954F72"/>
       </a:folHlink>
     </a:clrScheme>
-    <a:fontScheme name="Office">
+    <a:fontScheme name="Office Theme">
       <a:majorFont>
         <a:latin typeface="Calibri Light" panose="020F0302020204030204"/>
         <a:ea typeface=""/>
@@ -4063,23 +3716,6 @@
         <a:font script="Viet" typeface="Times New Roman"/>
         <a:font script="Uigh" typeface="Microsoft Uighur"/>
         <a:font script="Geor" typeface="Sylfaen"/>
-        <a:font script="Armn" typeface="Arial"/>
-        <a:font script="Bugi" typeface="Leelawadee UI"/>
-        <a:font script="Bopo" typeface="Microsoft JhengHei"/>
-        <a:font script="Java" typeface="Javanese Text"/>
-        <a:font script="Lisu" typeface="Segoe UI"/>
-        <a:font script="Mymr" typeface="Myanmar Text"/>
-        <a:font script="Nkoo" typeface="Ebrima"/>
-        <a:font script="Olck" typeface="Nirmala UI"/>
-        <a:font script="Osma" typeface="Ebrima"/>
-        <a:font script="Phag" typeface="Phagspa"/>
-        <a:font script="Syrn" typeface="Estrangelo Edessa"/>
-        <a:font script="Syrj" typeface="Estrangelo Edessa"/>
-        <a:font script="Syre" typeface="Estrangelo Edessa"/>
-        <a:font script="Sora" typeface="Nirmala UI"/>
-        <a:font script="Tale" typeface="Microsoft Tai Le"/>
-        <a:font script="Talu" typeface="Microsoft New Tai Lue"/>
-        <a:font script="Tfng" typeface="Ebrima"/>
       </a:majorFont>
       <a:minorFont>
         <a:latin typeface="Calibri" panose="020F0502020204030204"/>
@@ -4115,26 +3751,9 @@
         <a:font script="Viet" typeface="Arial"/>
         <a:font script="Uigh" typeface="Microsoft Uighur"/>
         <a:font script="Geor" typeface="Sylfaen"/>
-        <a:font script="Armn" typeface="Arial"/>
-        <a:font script="Bugi" typeface="Leelawadee UI"/>
-        <a:font script="Bopo" typeface="Microsoft JhengHei"/>
-        <a:font script="Java" typeface="Javanese Text"/>
-        <a:font script="Lisu" typeface="Segoe UI"/>
-        <a:font script="Mymr" typeface="Myanmar Text"/>
-        <a:font script="Nkoo" typeface="Ebrima"/>
-        <a:font script="Olck" typeface="Nirmala UI"/>
-        <a:font script="Osma" typeface="Ebrima"/>
-        <a:font script="Phag" typeface="Phagspa"/>
-        <a:font script="Syrn" typeface="Estrangelo Edessa"/>
-        <a:font script="Syrj" typeface="Estrangelo Edessa"/>
-        <a:font script="Syre" typeface="Estrangelo Edessa"/>
-        <a:font script="Sora" typeface="Nirmala UI"/>
-        <a:font script="Tale" typeface="Microsoft Tai Le"/>
-        <a:font script="Talu" typeface="Microsoft New Tai Lue"/>
-        <a:font script="Tfng" typeface="Ebrima"/>
       </a:minorFont>
     </a:fontScheme>
-    <a:fmtScheme name="Office">
+    <a:fmtScheme name="Office Theme">
       <a:fillStyleLst>
         <a:solidFill>
           <a:schemeClr val="phClr"/>
@@ -4276,7 +3895,7 @@
   <a:extraClrSchemeLst/>
   <a:extLst>
     <a:ext uri="{05A4C25C-085E-4340-85A3-A5531E510DB2}">
-      <thm15:themeFamily xmlns:thm15="http://schemas.microsoft.com/office/thememl/2012/main" name="Office Theme" id="{62F939B6-93AF-4DB8-9C6B-D6C7DFDC589F}" vid="{4A3C46E8-61CC-4603-A589-7422A47A8E4A}"/>
+      <thm15:themeFamily xmlns:thm15="http://schemas.microsoft.com/office/thememl/2012/main" name="Office Theme 2013 - 2022" id="{62F939B6-93AF-4DB8-9C6B-D6C7DFDC589F}" vid="{4A3C46E8-61CC-4603-A589-7422A47A8E4A}"/>
     </a:ext>
   </a:extLst>
 </a:theme>
